--- a/intro-to-web-dev/slides/powerpoint/day3.pptx
+++ b/intro-to-web-dev/slides/powerpoint/day3.pptx
@@ -34,6 +34,14 @@
     <p:sldId id="279" r:id="rId31"/>
     <p:sldId id="280" r:id="rId32"/>
     <p:sldId id="281" r:id="rId33"/>
+    <p:sldId id="282" r:id="rId34"/>
+    <p:sldId id="283" r:id="rId35"/>
+    <p:sldId id="284" r:id="rId36"/>
+    <p:sldId id="285" r:id="rId37"/>
+    <p:sldId id="286" r:id="rId38"/>
+    <p:sldId id="287" r:id="rId39"/>
+    <p:sldId id="288" r:id="rId40"/>
+    <p:sldId id="289" r:id="rId41"/>
   </p:sldIdLst>
   <p:sldSz cx="13004800" cy="9753600"/>
   <p:notesSz cx="6858000" cy="9144000"/>
@@ -536,7 +544,7 @@
       <p:sp>
         <p:nvSpPr>
           <p:cNvPr id="11" name="Title Text"/>
-          <p:cNvSpPr/>
+          <p:cNvSpPr txBox="1"/>
           <p:nvPr>
             <p:ph type="title"/>
           </p:nvPr>
@@ -564,7 +572,7 @@
       <p:sp>
         <p:nvSpPr>
           <p:cNvPr id="12" name="Body Level One…"/>
-          <p:cNvSpPr/>
+          <p:cNvSpPr txBox="1"/>
           <p:nvPr>
             <p:ph type="body" sz="quarter" idx="1"/>
           </p:nvPr>
@@ -657,7 +665,7 @@
       <p:sp>
         <p:nvSpPr>
           <p:cNvPr id="13" name="Slide Number"/>
-          <p:cNvSpPr/>
+          <p:cNvSpPr txBox="1"/>
           <p:nvPr>
             <p:ph type="sldNum" sz="quarter" idx="2"/>
           </p:nvPr>
@@ -705,7 +713,7 @@
       <p:sp>
         <p:nvSpPr>
           <p:cNvPr id="93" name="–Johnny Appleseed"/>
-          <p:cNvSpPr/>
+          <p:cNvSpPr txBox="1"/>
           <p:nvPr>
             <p:ph type="body" sz="quarter" idx="13"/>
           </p:nvPr>
@@ -744,7 +752,7 @@
       <p:sp>
         <p:nvSpPr>
           <p:cNvPr id="94" name="“Type a quote here.”"/>
-          <p:cNvSpPr/>
+          <p:cNvSpPr txBox="1"/>
           <p:nvPr>
             <p:ph type="body" sz="quarter" idx="14"/>
           </p:nvPr>
@@ -782,7 +790,7 @@
       <p:sp>
         <p:nvSpPr>
           <p:cNvPr id="95" name="Slide Number"/>
-          <p:cNvSpPr/>
+          <p:cNvSpPr txBox="1"/>
           <p:nvPr>
             <p:ph type="sldNum" sz="quarter" idx="2"/>
           </p:nvPr>
@@ -857,7 +865,7 @@
       <p:sp>
         <p:nvSpPr>
           <p:cNvPr id="103" name="Slide Number"/>
-          <p:cNvSpPr/>
+          <p:cNvSpPr txBox="1"/>
           <p:nvPr>
             <p:ph type="sldNum" sz="quarter" idx="2"/>
           </p:nvPr>
@@ -905,7 +913,7 @@
       <p:sp>
         <p:nvSpPr>
           <p:cNvPr id="110" name="Slide Number"/>
-          <p:cNvSpPr/>
+          <p:cNvSpPr txBox="1"/>
           <p:nvPr>
             <p:ph type="sldNum" sz="quarter" idx="2"/>
           </p:nvPr>
@@ -980,7 +988,7 @@
       <p:sp>
         <p:nvSpPr>
           <p:cNvPr id="21" name="Title Text"/>
-          <p:cNvSpPr/>
+          <p:cNvSpPr txBox="1"/>
           <p:nvPr>
             <p:ph type="title"/>
           </p:nvPr>
@@ -1008,7 +1016,7 @@
       <p:sp>
         <p:nvSpPr>
           <p:cNvPr id="22" name="Body Level One…"/>
-          <p:cNvSpPr/>
+          <p:cNvSpPr txBox="1"/>
           <p:nvPr>
             <p:ph type="body" sz="quarter" idx="1"/>
           </p:nvPr>
@@ -1101,7 +1109,7 @@
       <p:sp>
         <p:nvSpPr>
           <p:cNvPr id="23" name="Slide Number"/>
-          <p:cNvSpPr/>
+          <p:cNvSpPr txBox="1"/>
           <p:nvPr>
             <p:ph type="sldNum" sz="quarter" idx="2"/>
           </p:nvPr>
@@ -1149,7 +1157,7 @@
       <p:sp>
         <p:nvSpPr>
           <p:cNvPr id="30" name="Title Text"/>
-          <p:cNvSpPr/>
+          <p:cNvSpPr txBox="1"/>
           <p:nvPr>
             <p:ph type="title"/>
           </p:nvPr>
@@ -1177,7 +1185,7 @@
       <p:sp>
         <p:nvSpPr>
           <p:cNvPr id="31" name="Slide Number"/>
-          <p:cNvSpPr/>
+          <p:cNvSpPr txBox="1"/>
           <p:nvPr>
             <p:ph type="sldNum" sz="quarter" idx="2"/>
           </p:nvPr>
@@ -1252,7 +1260,7 @@
       <p:sp>
         <p:nvSpPr>
           <p:cNvPr id="39" name="Title Text"/>
-          <p:cNvSpPr/>
+          <p:cNvSpPr txBox="1"/>
           <p:nvPr>
             <p:ph type="title"/>
           </p:nvPr>
@@ -1284,7 +1292,7 @@
       <p:sp>
         <p:nvSpPr>
           <p:cNvPr id="40" name="Body Level One…"/>
-          <p:cNvSpPr/>
+          <p:cNvSpPr txBox="1"/>
           <p:nvPr>
             <p:ph type="body" sz="quarter" idx="1"/>
           </p:nvPr>
@@ -1377,7 +1385,7 @@
       <p:sp>
         <p:nvSpPr>
           <p:cNvPr id="41" name="Slide Number"/>
-          <p:cNvSpPr/>
+          <p:cNvSpPr txBox="1"/>
           <p:nvPr>
             <p:ph type="sldNum" sz="quarter" idx="2"/>
           </p:nvPr>
@@ -1425,7 +1433,7 @@
       <p:sp>
         <p:nvSpPr>
           <p:cNvPr id="48" name="Title Text"/>
-          <p:cNvSpPr/>
+          <p:cNvSpPr txBox="1"/>
           <p:nvPr>
             <p:ph type="title"/>
           </p:nvPr>
@@ -1449,7 +1457,7 @@
       <p:sp>
         <p:nvSpPr>
           <p:cNvPr id="49" name="Slide Number"/>
-          <p:cNvSpPr/>
+          <p:cNvSpPr txBox="1"/>
           <p:nvPr>
             <p:ph type="sldNum" sz="quarter" idx="2"/>
           </p:nvPr>
@@ -1497,7 +1505,7 @@
       <p:sp>
         <p:nvSpPr>
           <p:cNvPr id="56" name="Title Text"/>
-          <p:cNvSpPr/>
+          <p:cNvSpPr txBox="1"/>
           <p:nvPr>
             <p:ph type="title"/>
           </p:nvPr>
@@ -1521,7 +1529,7 @@
       <p:sp>
         <p:nvSpPr>
           <p:cNvPr id="57" name="Body Level One…"/>
-          <p:cNvSpPr/>
+          <p:cNvSpPr txBox="1"/>
           <p:nvPr>
             <p:ph type="body" idx="1"/>
           </p:nvPr>
@@ -1569,7 +1577,7 @@
       <p:sp>
         <p:nvSpPr>
           <p:cNvPr id="58" name="Slide Number"/>
-          <p:cNvSpPr/>
+          <p:cNvSpPr txBox="1"/>
           <p:nvPr>
             <p:ph type="sldNum" sz="quarter" idx="2"/>
           </p:nvPr>
@@ -1644,7 +1652,7 @@
       <p:sp>
         <p:nvSpPr>
           <p:cNvPr id="66" name="Title Text"/>
-          <p:cNvSpPr/>
+          <p:cNvSpPr txBox="1"/>
           <p:nvPr>
             <p:ph type="title"/>
           </p:nvPr>
@@ -1668,7 +1676,7 @@
       <p:sp>
         <p:nvSpPr>
           <p:cNvPr id="67" name="Body Level One…"/>
-          <p:cNvSpPr/>
+          <p:cNvSpPr txBox="1"/>
           <p:nvPr>
             <p:ph type="body" sz="half" idx="1"/>
           </p:nvPr>
@@ -1751,7 +1759,7 @@
       <p:sp>
         <p:nvSpPr>
           <p:cNvPr id="68" name="Slide Number"/>
-          <p:cNvSpPr/>
+          <p:cNvSpPr txBox="1"/>
           <p:nvPr>
             <p:ph type="sldNum" sz="quarter" idx="2"/>
           </p:nvPr>
@@ -1799,7 +1807,7 @@
       <p:sp>
         <p:nvSpPr>
           <p:cNvPr id="75" name="Body Level One…"/>
-          <p:cNvSpPr/>
+          <p:cNvSpPr txBox="1"/>
           <p:nvPr>
             <p:ph type="body" idx="1"/>
           </p:nvPr>
@@ -1851,7 +1859,7 @@
       <p:sp>
         <p:nvSpPr>
           <p:cNvPr id="76" name="Slide Number"/>
-          <p:cNvSpPr/>
+          <p:cNvSpPr txBox="1"/>
           <p:nvPr>
             <p:ph type="sldNum" sz="quarter" idx="2"/>
           </p:nvPr>
@@ -1980,7 +1988,7 @@
       <p:sp>
         <p:nvSpPr>
           <p:cNvPr id="86" name="Slide Number"/>
-          <p:cNvSpPr/>
+          <p:cNvSpPr txBox="1"/>
           <p:nvPr>
             <p:ph type="sldNum" sz="quarter" idx="2"/>
           </p:nvPr>
@@ -2035,7 +2043,7 @@
       <p:sp>
         <p:nvSpPr>
           <p:cNvPr id="2" name="Title Text"/>
-          <p:cNvSpPr/>
+          <p:cNvSpPr txBox="1"/>
           <p:nvPr>
             <p:ph type="title"/>
           </p:nvPr>
@@ -2073,7 +2081,7 @@
       <p:sp>
         <p:nvSpPr>
           <p:cNvPr id="3" name="Body Level One…"/>
-          <p:cNvSpPr/>
+          <p:cNvSpPr txBox="1"/>
           <p:nvPr>
             <p:ph type="body" idx="1"/>
           </p:nvPr>
@@ -2135,7 +2143,7 @@
       <p:sp>
         <p:nvSpPr>
           <p:cNvPr id="4" name="Slide Number"/>
-          <p:cNvSpPr/>
+          <p:cNvSpPr txBox="1"/>
           <p:nvPr>
             <p:ph type="sldNum" sz="quarter" idx="2"/>
           </p:nvPr>
@@ -2999,7 +3007,7 @@
       <p:sp>
         <p:nvSpPr>
           <p:cNvPr id="119" name="Intro to Web Dev"/>
-          <p:cNvSpPr/>
+          <p:cNvSpPr txBox="1"/>
           <p:nvPr>
             <p:ph type="ctrTitle"/>
           </p:nvPr>
@@ -3023,7 +3031,7 @@
       <p:sp>
         <p:nvSpPr>
           <p:cNvPr id="120" name="Elias Carlston, DevelopIntelligence…"/>
-          <p:cNvSpPr/>
+          <p:cNvSpPr txBox="1"/>
           <p:nvPr>
             <p:ph type="subTitle" sz="quarter" idx="1"/>
           </p:nvPr>
@@ -3100,8 +3108,8 @@
       </p:grpSpPr>
       <p:sp>
         <p:nvSpPr>
-          <p:cNvPr id="146" name="Prototypes"/>
-          <p:cNvSpPr/>
+          <p:cNvPr id="146" name="Functions"/>
+          <p:cNvSpPr txBox="1"/>
           <p:nvPr>
             <p:ph type="title"/>
           </p:nvPr>
@@ -3117,15 +3125,15 @@
           <a:p>
             <a:pPr/>
             <a:r>
-              <a:t>Prototypes</a:t>
-            </a:r>
-          </a:p>
-        </p:txBody>
-      </p:sp>
-      <p:sp>
-        <p:nvSpPr>
-          <p:cNvPr id="147" name="Prototypes - syntax…"/>
-          <p:cNvSpPr/>
+              <a:t>Functions</a:t>
+            </a:r>
+          </a:p>
+        </p:txBody>
+      </p:sp>
+      <p:sp>
+        <p:nvSpPr>
+          <p:cNvPr id="147" name="Context…"/>
+          <p:cNvSpPr txBox="1"/>
           <p:nvPr>
             <p:ph type="body" idx="1"/>
           </p:nvPr>
@@ -3144,25 +3152,31 @@
               <a:buNone/>
             </a:pPr>
             <a:r>
-              <a:t>Prototypes - syntax</a:t>
-            </a:r>
-          </a:p>
-          <a:p>
-            <a:pPr/>
-            <a:r>
-              <a:t>Created with the 'new' keyword</a:t>
-            </a:r>
-          </a:p>
-          <a:p>
-            <a:pPr/>
-            <a:r>
-              <a:t>'__proto__' points to parent</a:t>
-            </a:r>
-          </a:p>
-          <a:p>
-            <a:pPr/>
-            <a:r>
-              <a:t>Parent properties are "shadowed" on child</a:t>
+              <a:t>Context</a:t>
+            </a:r>
+          </a:p>
+          <a:p>
+            <a:pPr/>
+            <a:r>
+              <a:t>.call( differentInstance, arg1, arg2… )</a:t>
+            </a:r>
+          </a:p>
+          <a:p>
+            <a:pPr/>
+            <a:r>
+              <a:t>'this' now refers to differentInstance</a:t>
+            </a:r>
+          </a:p>
+          <a:p>
+            <a:pPr/>
+            <a:r>
+              <a:t>.apply() similar, but takes args in an array</a:t>
+            </a:r>
+          </a:p>
+          <a:p>
+            <a:pPr/>
+            <a:r>
+              <a:t>.bind() returns a new function with context permanently set</a:t>
             </a:r>
           </a:p>
         </p:txBody>
@@ -3195,8 +3209,8 @@
       </p:grpSpPr>
       <p:sp>
         <p:nvSpPr>
-          <p:cNvPr id="149" name="DOM"/>
-          <p:cNvSpPr/>
+          <p:cNvPr id="149" name="Prototypes"/>
+          <p:cNvSpPr txBox="1"/>
           <p:nvPr>
             <p:ph type="title"/>
           </p:nvPr>
@@ -3212,15 +3226,15 @@
           <a:p>
             <a:pPr/>
             <a:r>
-              <a:t>DOM</a:t>
-            </a:r>
-          </a:p>
-        </p:txBody>
-      </p:sp>
-      <p:sp>
-        <p:nvSpPr>
-          <p:cNvPr id="150" name="What is DOM?…"/>
-          <p:cNvSpPr/>
+              <a:t>Prototypes</a:t>
+            </a:r>
+          </a:p>
+        </p:txBody>
+      </p:sp>
+      <p:sp>
+        <p:nvSpPr>
+          <p:cNvPr id="150" name="What are Prototypes?…"/>
+          <p:cNvSpPr txBox="1"/>
           <p:nvPr>
             <p:ph type="body" idx="1"/>
           </p:nvPr>
@@ -3239,37 +3253,25 @@
               <a:buNone/>
             </a:pPr>
             <a:r>
-              <a:t>What is DOM?</a:t>
-            </a:r>
-          </a:p>
-          <a:p>
-            <a:pPr/>
-            <a:r>
-              <a:t>Document Object Model</a:t>
-            </a:r>
-          </a:p>
-          <a:p>
-            <a:pPr/>
-            <a:r>
-              <a:t>Browser "parses" HTML</a:t>
-            </a:r>
-          </a:p>
-          <a:p>
-            <a:pPr/>
-            <a:r>
-              <a:t>Creates DOM as a representation</a:t>
-            </a:r>
-          </a:p>
-          <a:p>
-            <a:pPr/>
-            <a:r>
-              <a:t>Further interaction with browser is with DOM</a:t>
-            </a:r>
-          </a:p>
-          <a:p>
-            <a:pPr/>
-            <a:r>
-              <a:t>HTML is the recipe, DOM is the food</a:t>
+              <a:t>What are Prototypes?</a:t>
+            </a:r>
+          </a:p>
+          <a:p>
+            <a:pPr/>
+            <a:r>
+              <a:t>A simplified version of Classes</a:t>
+            </a:r>
+          </a:p>
+          <a:p>
+            <a:pPr/>
+            <a:r>
+              <a:t>How JS handles Object creation under the hood</a:t>
+            </a:r>
+          </a:p>
+          <a:p>
+            <a:pPr/>
+            <a:r>
+              <a:t>Central to memory management</a:t>
             </a:r>
           </a:p>
         </p:txBody>
@@ -3302,8 +3304,8 @@
       </p:grpSpPr>
       <p:sp>
         <p:nvSpPr>
-          <p:cNvPr id="152" name="DOM"/>
-          <p:cNvSpPr/>
+          <p:cNvPr id="152" name="Prototypes"/>
+          <p:cNvSpPr txBox="1"/>
           <p:nvPr>
             <p:ph type="title"/>
           </p:nvPr>
@@ -3319,15 +3321,15 @@
           <a:p>
             <a:pPr/>
             <a:r>
-              <a:t>DOM</a:t>
-            </a:r>
-          </a:p>
-        </p:txBody>
-      </p:sp>
-      <p:sp>
-        <p:nvSpPr>
-          <p:cNvPr id="153" name="Every element has a DOM 'node'…"/>
-          <p:cNvSpPr/>
+              <a:t>Prototypes</a:t>
+            </a:r>
+          </a:p>
+        </p:txBody>
+      </p:sp>
+      <p:sp>
+        <p:nvSpPr>
+          <p:cNvPr id="153" name="Prototypes - syntax…"/>
+          <p:cNvSpPr txBox="1"/>
           <p:nvPr>
             <p:ph type="body" idx="1"/>
           </p:nvPr>
@@ -3341,33 +3343,30 @@
           <a:bodyPr anchor="t"/>
           <a:lstStyle/>
           <a:p>
-            <a:pPr/>
-            <a:r>
-              <a:t>Every element has a DOM 'node'</a:t>
-            </a:r>
-          </a:p>
-          <a:p>
-            <a:pPr/>
-            <a:r>
-              <a:t>Nodes have properties</a:t>
-            </a:r>
-          </a:p>
-          <a:p>
-            <a:pPr/>
-            <a:r>
-              <a:t>These properties are what we interact with</a:t>
-            </a:r>
-          </a:p>
-          <a:p>
-            <a:pPr/>
-            <a:r>
-              <a:t>Nodes have children</a:t>
-            </a:r>
-          </a:p>
-          <a:p>
-            <a:pPr/>
-            <a:r>
-              <a:t>Nodes can be inserted and deleted</a:t>
+            <a:pPr marL="0" indent="0">
+              <a:buSzTx/>
+              <a:buNone/>
+            </a:pPr>
+            <a:r>
+              <a:t>Prototypes - syntax</a:t>
+            </a:r>
+          </a:p>
+          <a:p>
+            <a:pPr/>
+            <a:r>
+              <a:t>Created with the 'new' keyword</a:t>
+            </a:r>
+          </a:p>
+          <a:p>
+            <a:pPr/>
+            <a:r>
+              <a:t>'__proto__' points to parent</a:t>
+            </a:r>
+          </a:p>
+          <a:p>
+            <a:pPr/>
+            <a:r>
+              <a:t>Parent properties are "shadowed" on child</a:t>
             </a:r>
           </a:p>
         </p:txBody>
@@ -3400,8 +3399,8 @@
       </p:grpSpPr>
       <p:sp>
         <p:nvSpPr>
-          <p:cNvPr id="155" name="Lab: Explore DOM"/>
-          <p:cNvSpPr/>
+          <p:cNvPr id="155" name="DOM"/>
+          <p:cNvSpPr txBox="1"/>
           <p:nvPr>
             <p:ph type="title"/>
           </p:nvPr>
@@ -3417,15 +3416,15 @@
           <a:p>
             <a:pPr/>
             <a:r>
-              <a:t>Lab: Explore DOM</a:t>
-            </a:r>
-          </a:p>
-        </p:txBody>
-      </p:sp>
-      <p:sp>
-        <p:nvSpPr>
-          <p:cNvPr id="156" name="In console, type 'document'…"/>
-          <p:cNvSpPr/>
+              <a:t>DOM</a:t>
+            </a:r>
+          </a:p>
+        </p:txBody>
+      </p:sp>
+      <p:sp>
+        <p:nvSpPr>
+          <p:cNvPr id="156" name="What is DOM?…"/>
+          <p:cNvSpPr txBox="1"/>
           <p:nvPr>
             <p:ph type="body" idx="1"/>
           </p:nvPr>
@@ -3439,21 +3438,42 @@
           <a:bodyPr anchor="t"/>
           <a:lstStyle/>
           <a:p>
-            <a:pPr/>
-            <a:r>
-              <a:t>In console, type 'document'</a:t>
-            </a:r>
-          </a:p>
-          <a:p>
-            <a:pPr/>
-            <a:r>
-              <a:t>Examine properties</a:t>
-            </a:r>
-          </a:p>
-          <a:p>
-            <a:pPr/>
-            <a:r>
-              <a:t>Alter properties and observe effects</a:t>
+            <a:pPr marL="0" indent="0">
+              <a:buSzTx/>
+              <a:buNone/>
+            </a:pPr>
+            <a:r>
+              <a:t>What is DOM?</a:t>
+            </a:r>
+          </a:p>
+          <a:p>
+            <a:pPr/>
+            <a:r>
+              <a:t>Document Object Model</a:t>
+            </a:r>
+          </a:p>
+          <a:p>
+            <a:pPr/>
+            <a:r>
+              <a:t>Browser "parses" HTML</a:t>
+            </a:r>
+          </a:p>
+          <a:p>
+            <a:pPr/>
+            <a:r>
+              <a:t>Creates DOM as a representation</a:t>
+            </a:r>
+          </a:p>
+          <a:p>
+            <a:pPr/>
+            <a:r>
+              <a:t>Further interaction with browser is with DOM</a:t>
+            </a:r>
+          </a:p>
+          <a:p>
+            <a:pPr/>
+            <a:r>
+              <a:t>HTML is the recipe, DOM is the food</a:t>
             </a:r>
           </a:p>
         </p:txBody>
@@ -3486,8 +3506,8 @@
       </p:grpSpPr>
       <p:sp>
         <p:nvSpPr>
-          <p:cNvPr id="158" name="Edit DOM"/>
-          <p:cNvSpPr/>
+          <p:cNvPr id="158" name="DOM"/>
+          <p:cNvSpPr txBox="1"/>
           <p:nvPr>
             <p:ph type="title"/>
           </p:nvPr>
@@ -3503,15 +3523,15 @@
           <a:p>
             <a:pPr/>
             <a:r>
-              <a:t>Edit DOM</a:t>
-            </a:r>
-          </a:p>
-        </p:txBody>
-      </p:sp>
-      <p:sp>
-        <p:nvSpPr>
-          <p:cNvPr id="159" name="DOM is how JS interacts with browser…"/>
-          <p:cNvSpPr/>
+              <a:t>DOM</a:t>
+            </a:r>
+          </a:p>
+        </p:txBody>
+      </p:sp>
+      <p:sp>
+        <p:nvSpPr>
+          <p:cNvPr id="159" name="Every element has a DOM 'node'…"/>
+          <p:cNvSpPr txBox="1"/>
           <p:nvPr>
             <p:ph type="body" idx="1"/>
           </p:nvPr>
@@ -3527,37 +3547,31 @@
           <a:p>
             <a:pPr/>
             <a:r>
-              <a:t>DOM is how JS interacts with browser</a:t>
-            </a:r>
-          </a:p>
-          <a:p>
-            <a:pPr/>
-            <a:r>
-              <a:t>Document has "getElement…" methods</a:t>
-            </a:r>
-          </a:p>
-          <a:p>
-            <a:pPr lvl="1"/>
-            <a:r>
-              <a:t>append</a:t>
-            </a:r>
-          </a:p>
-          <a:p>
-            <a:pPr lvl="1"/>
-            <a:r>
-              <a:t>remove</a:t>
-            </a:r>
-          </a:p>
-          <a:p>
-            <a:pPr lvl="1"/>
-            <a:r>
-              <a:t>innerHTML</a:t>
-            </a:r>
-          </a:p>
-          <a:p>
-            <a:pPr lvl="1"/>
-            <a:r>
-              <a:t>More</a:t>
+              <a:t>Every element has a DOM 'node'</a:t>
+            </a:r>
+          </a:p>
+          <a:p>
+            <a:pPr/>
+            <a:r>
+              <a:t>Nodes have properties</a:t>
+            </a:r>
+          </a:p>
+          <a:p>
+            <a:pPr/>
+            <a:r>
+              <a:t>These properties are what we interact with</a:t>
+            </a:r>
+          </a:p>
+          <a:p>
+            <a:pPr/>
+            <a:r>
+              <a:t>Nodes have children</a:t>
+            </a:r>
+          </a:p>
+          <a:p>
+            <a:pPr/>
+            <a:r>
+              <a:t>Nodes can be inserted and deleted</a:t>
             </a:r>
           </a:p>
         </p:txBody>
@@ -3590,8 +3604,8 @@
       </p:grpSpPr>
       <p:sp>
         <p:nvSpPr>
-          <p:cNvPr id="161" name="Lab: Edit DOM"/>
-          <p:cNvSpPr/>
+          <p:cNvPr id="161" name="DOM"/>
+          <p:cNvSpPr txBox="1"/>
           <p:nvPr>
             <p:ph type="title"/>
           </p:nvPr>
@@ -3607,15 +3621,15 @@
           <a:p>
             <a:pPr/>
             <a:r>
-              <a:t>Lab: Edit DOM</a:t>
-            </a:r>
-          </a:p>
-        </p:txBody>
-      </p:sp>
-      <p:sp>
-        <p:nvSpPr>
-          <p:cNvPr id="162" name="Display content generator on page…"/>
-          <p:cNvSpPr/>
+              <a:t>DOM</a:t>
+            </a:r>
+          </a:p>
+        </p:txBody>
+      </p:sp>
+      <p:sp>
+        <p:nvSpPr>
+          <p:cNvPr id="162" name="Browser provides API to access DOM…"/>
+          <p:cNvSpPr txBox="1"/>
           <p:nvPr>
             <p:ph type="body" idx="1"/>
           </p:nvPr>
@@ -3631,31 +3645,31 @@
           <a:p>
             <a:pPr/>
             <a:r>
-              <a:t>Display content generator on page</a:t>
-            </a:r>
-          </a:p>
-          <a:p>
-            <a:pPr/>
-            <a:r>
-              <a:t>Add methods to </a:t>
-            </a:r>
-          </a:p>
-          <a:p>
-            <a:pPr lvl="1"/>
-            <a:r>
-              <a:t>Insert elements</a:t>
-            </a:r>
-          </a:p>
-          <a:p>
-            <a:pPr lvl="1"/>
-            <a:r>
-              <a:t>Add content to elements</a:t>
-            </a:r>
-          </a:p>
-          <a:p>
-            <a:pPr/>
-            <a:r>
-              <a:t>TDD: check element content first</a:t>
+              <a:t>Browser provides API to access DOM</a:t>
+            </a:r>
+          </a:p>
+          <a:p>
+            <a:pPr/>
+            <a:r>
+              <a:t>Host object 'document' </a:t>
+            </a:r>
+          </a:p>
+          <a:p>
+            <a:pPr/>
+            <a:r>
+              <a:t>Various getElementBy… methods</a:t>
+            </a:r>
+          </a:p>
+          <a:p>
+            <a:pPr/>
+            <a:r>
+              <a:t>Return an object representing DOM Node</a:t>
+            </a:r>
+          </a:p>
+          <a:p>
+            <a:pPr/>
+            <a:r>
+              <a:t>Use JS to modify </a:t>
             </a:r>
           </a:p>
         </p:txBody>
@@ -3688,8 +3702,8 @@
       </p:grpSpPr>
       <p:sp>
         <p:nvSpPr>
-          <p:cNvPr id="164" name="Events"/>
-          <p:cNvSpPr/>
+          <p:cNvPr id="164" name="DOM"/>
+          <p:cNvSpPr txBox="1"/>
           <p:nvPr>
             <p:ph type="title"/>
           </p:nvPr>
@@ -3705,15 +3719,15 @@
           <a:p>
             <a:pPr/>
             <a:r>
-              <a:t>Events</a:t>
-            </a:r>
-          </a:p>
-        </p:txBody>
-      </p:sp>
-      <p:sp>
-        <p:nvSpPr>
-          <p:cNvPr id="165" name="What are Events?…"/>
-          <p:cNvSpPr/>
+              <a:t>DOM</a:t>
+            </a:r>
+          </a:p>
+        </p:txBody>
+      </p:sp>
+      <p:sp>
+        <p:nvSpPr>
+          <p:cNvPr id="165" name="Common DOM Node actions…"/>
+          <p:cNvSpPr txBox="1"/>
           <p:nvPr>
             <p:ph type="body" idx="1"/>
           </p:nvPr>
@@ -3727,36 +3741,27 @@
           <a:bodyPr anchor="t"/>
           <a:lstStyle/>
           <a:p>
-            <a:pPr marL="0" indent="0">
-              <a:buSzTx/>
-              <a:buNone/>
-            </a:pPr>
-            <a:r>
-              <a:t>What are Events?</a:t>
-            </a:r>
-          </a:p>
-          <a:p>
-            <a:pPr/>
-            <a:r>
-              <a:t>For handling tasks with unpredictable timing</a:t>
-            </a:r>
-          </a:p>
-          <a:p>
-            <a:pPr/>
-            <a:r>
-              <a:t>A programming pattern</a:t>
-            </a:r>
-          </a:p>
-          <a:p>
-            <a:pPr/>
-            <a:r>
-              <a:t>Not limited to DOM or JS</a:t>
-            </a:r>
-          </a:p>
-          <a:p>
-            <a:pPr/>
-            <a:r>
-              <a:t>But well suited to web apps</a:t>
+            <a:pPr/>
+            <a:r>
+              <a:t>Common DOM Node actions</a:t>
+            </a:r>
+          </a:p>
+          <a:p>
+            <a:pPr lvl="1"/>
+            <a:r>
+              <a:t>append (method)</a:t>
+            </a:r>
+          </a:p>
+          <a:p>
+            <a:pPr lvl="1"/>
+            <a:r>
+              <a:t>remove (method)</a:t>
+            </a:r>
+          </a:p>
+          <a:p>
+            <a:pPr lvl="1"/>
+            <a:r>
+              <a:t>innerHTML (property)</a:t>
             </a:r>
           </a:p>
         </p:txBody>
@@ -3789,8 +3794,8 @@
       </p:grpSpPr>
       <p:sp>
         <p:nvSpPr>
-          <p:cNvPr id="167" name="Events"/>
-          <p:cNvSpPr/>
+          <p:cNvPr id="167" name="Lab: Modify DOM"/>
+          <p:cNvSpPr txBox="1"/>
           <p:nvPr>
             <p:ph type="title"/>
           </p:nvPr>
@@ -3806,20 +3811,24 @@
           <a:p>
             <a:pPr/>
             <a:r>
-              <a:t>Events</a:t>
-            </a:r>
-          </a:p>
-        </p:txBody>
-      </p:sp>
-      <p:sp>
-        <p:nvSpPr>
-          <p:cNvPr id="168" name="Event-driven programming…"/>
-          <p:cNvSpPr/>
+              <a:t>Lab: Modify DOM</a:t>
+            </a:r>
+          </a:p>
+        </p:txBody>
+      </p:sp>
+      <p:sp>
+        <p:nvSpPr>
+          <p:cNvPr id="168" name="In players.html, add a place to put content…"/>
+          <p:cNvSpPr txBox="1"/>
           <p:nvPr>
             <p:ph type="body" idx="1"/>
           </p:nvPr>
         </p:nvSpPr>
         <p:spPr>
+          <a:xfrm>
+            <a:off x="952500" y="2590800"/>
+            <a:ext cx="11099800" cy="7111356"/>
+          </a:xfrm>
           <a:prstGeom prst="rect">
             <a:avLst/>
           </a:prstGeom>
@@ -3828,42 +3837,39 @@
           <a:bodyPr anchor="t"/>
           <a:lstStyle/>
           <a:p>
-            <a:pPr marL="0" indent="0">
-              <a:buSzTx/>
-              <a:buNone/>
-            </a:pPr>
-            <a:r>
-              <a:t>Event-driven programming</a:t>
-            </a:r>
-          </a:p>
-          <a:p>
-            <a:pPr/>
-            <a:r>
-              <a:t>Events are "emitted"</a:t>
-            </a:r>
-          </a:p>
-          <a:p>
-            <a:pPr/>
-            <a:r>
-              <a:t>Events have "listeners"</a:t>
-            </a:r>
-          </a:p>
-          <a:p>
-            <a:pPr/>
-            <a:r>
-              <a:t>When a listener "hears" its event, it executes</a:t>
-            </a:r>
-          </a:p>
-          <a:p>
-            <a:pPr/>
-            <a:r>
-              <a:t>Listeners can attach and detach arbitrarily</a:t>
-            </a:r>
-          </a:p>
-          <a:p>
-            <a:pPr/>
-            <a:r>
-              <a:t>Great for asynchronous and decoupled code</a:t>
+            <a:pPr/>
+            <a:r>
+              <a:t>In players.html, add a place to put content</a:t>
+            </a:r>
+          </a:p>
+          <a:p>
+            <a:pPr/>
+            <a:r>
+              <a:t>In players.js, add an updateDOM function</a:t>
+            </a:r>
+          </a:p>
+          <a:p>
+            <a:pPr lvl="1"/>
+            <a:r>
+              <a:t>Get the content place </a:t>
+            </a:r>
+          </a:p>
+          <a:p>
+            <a:pPr lvl="1"/>
+            <a:r>
+              <a:t>Set innerHTML to player.name</a:t>
+            </a:r>
+          </a:p>
+          <a:p>
+            <a:pPr/>
+            <a:r>
+              <a:t>Call updateDOM from the property setter</a:t>
+            </a:r>
+          </a:p>
+          <a:p>
+            <a:pPr/>
+            <a:r>
+              <a:t>Change property value from console, see DOM change</a:t>
             </a:r>
           </a:p>
         </p:txBody>
@@ -3897,7 +3903,7 @@
       <p:sp>
         <p:nvSpPr>
           <p:cNvPr id="170" name="Events"/>
-          <p:cNvSpPr/>
+          <p:cNvSpPr txBox="1"/>
           <p:nvPr>
             <p:ph type="title"/>
           </p:nvPr>
@@ -3920,8 +3926,8 @@
       </p:sp>
       <p:sp>
         <p:nvSpPr>
-          <p:cNvPr id="171" name="Event analogy…"/>
-          <p:cNvSpPr/>
+          <p:cNvPr id="171" name="What are Events?…"/>
+          <p:cNvSpPr txBox="1"/>
           <p:nvPr>
             <p:ph type="body" idx="1"/>
           </p:nvPr>
@@ -3940,37 +3946,31 @@
               <a:buNone/>
             </a:pPr>
             <a:r>
-              <a:t>Event analogy</a:t>
-            </a:r>
-          </a:p>
-          <a:p>
-            <a:pPr/>
-            <a:r>
-              <a:t>Imagine a radio station</a:t>
-            </a:r>
-          </a:p>
-          <a:p>
-            <a:pPr/>
-            <a:r>
-              <a:t>Station has listeners but doesn't know them</a:t>
-            </a:r>
-          </a:p>
-          <a:p>
-            <a:pPr/>
-            <a:r>
-              <a:t>Listeners can tune in and out</a:t>
-            </a:r>
-          </a:p>
-          <a:p>
-            <a:pPr/>
-            <a:r>
-              <a:t>Can respond differently to "their song"</a:t>
-            </a:r>
-          </a:p>
-          <a:p>
-            <a:pPr/>
-            <a:r>
-              <a:t>Maybe not even songs - FCC wants station IDs</a:t>
+              <a:t>What are Events?</a:t>
+            </a:r>
+          </a:p>
+          <a:p>
+            <a:pPr/>
+            <a:r>
+              <a:t>For handling tasks with unpredictable timing</a:t>
+            </a:r>
+          </a:p>
+          <a:p>
+            <a:pPr/>
+            <a:r>
+              <a:t>A programming pattern</a:t>
+            </a:r>
+          </a:p>
+          <a:p>
+            <a:pPr/>
+            <a:r>
+              <a:t>Not limited to DOM or JS</a:t>
+            </a:r>
+          </a:p>
+          <a:p>
+            <a:pPr/>
+            <a:r>
+              <a:t>But well suited to web apps</a:t>
             </a:r>
           </a:p>
         </p:txBody>
@@ -4003,8 +4003,8 @@
       </p:grpSpPr>
       <p:sp>
         <p:nvSpPr>
-          <p:cNvPr id="173" name="Lab: Events"/>
-          <p:cNvSpPr/>
+          <p:cNvPr id="173" name="Events"/>
+          <p:cNvSpPr txBox="1"/>
           <p:nvPr>
             <p:ph type="title"/>
           </p:nvPr>
@@ -4020,15 +4020,15 @@
           <a:p>
             <a:pPr/>
             <a:r>
-              <a:t>Lab: Events</a:t>
-            </a:r>
-          </a:p>
-        </p:txBody>
-      </p:sp>
-      <p:sp>
-        <p:nvSpPr>
-          <p:cNvPr id="174" name="Goal: become familiar with browser UI events…"/>
-          <p:cNvSpPr/>
+              <a:t>Events</a:t>
+            </a:r>
+          </a:p>
+        </p:txBody>
+      </p:sp>
+      <p:sp>
+        <p:nvSpPr>
+          <p:cNvPr id="174" name="Event-driven programming…"/>
+          <p:cNvSpPr txBox="1"/>
           <p:nvPr>
             <p:ph type="body" idx="1"/>
           </p:nvPr>
@@ -4042,33 +4042,42 @@
           <a:bodyPr anchor="t"/>
           <a:lstStyle/>
           <a:p>
-            <a:pPr/>
-            <a:r>
-              <a:t>Goal: become familiar with browser UI events</a:t>
-            </a:r>
-          </a:p>
-          <a:p>
-            <a:pPr/>
-            <a:r>
-              <a:t>Connect content generation method to </a:t>
-            </a:r>
-          </a:p>
-          <a:p>
-            <a:pPr lvl="1"/>
-            <a:r>
-              <a:t>button click event</a:t>
-            </a:r>
-          </a:p>
-          <a:p>
-            <a:pPr lvl="1"/>
-            <a:r>
-              <a:t>select onchange event</a:t>
-            </a:r>
-          </a:p>
-          <a:p>
-            <a:pPr lvl="1"/>
-            <a:r>
-              <a:t>Input blur event</a:t>
+            <a:pPr marL="0" indent="0">
+              <a:buSzTx/>
+              <a:buNone/>
+            </a:pPr>
+            <a:r>
+              <a:t>Event-driven programming</a:t>
+            </a:r>
+          </a:p>
+          <a:p>
+            <a:pPr/>
+            <a:r>
+              <a:t>Events are "emitted"</a:t>
+            </a:r>
+          </a:p>
+          <a:p>
+            <a:pPr/>
+            <a:r>
+              <a:t>Events have "listeners"</a:t>
+            </a:r>
+          </a:p>
+          <a:p>
+            <a:pPr/>
+            <a:r>
+              <a:t>When a listener "hears" its event, it executes</a:t>
+            </a:r>
+          </a:p>
+          <a:p>
+            <a:pPr/>
+            <a:r>
+              <a:t>Listeners can attach and detach arbitrarily</a:t>
+            </a:r>
+          </a:p>
+          <a:p>
+            <a:pPr/>
+            <a:r>
+              <a:t>Great for asynchronous and decoupled code</a:t>
             </a:r>
           </a:p>
         </p:txBody>
@@ -4102,7 +4111,7 @@
       <p:sp>
         <p:nvSpPr>
           <p:cNvPr id="122" name="Course Overview"/>
-          <p:cNvSpPr/>
+          <p:cNvSpPr txBox="1"/>
           <p:nvPr>
             <p:ph type="title"/>
           </p:nvPr>
@@ -4126,7 +4135,7 @@
       <p:sp>
         <p:nvSpPr>
           <p:cNvPr id="123" name="Day 3…"/>
-          <p:cNvSpPr/>
+          <p:cNvSpPr txBox="1"/>
           <p:nvPr>
             <p:ph type="body" idx="1"/>
           </p:nvPr>
@@ -4208,8 +4217,8 @@
       </p:grpSpPr>
       <p:sp>
         <p:nvSpPr>
-          <p:cNvPr id="176" name="Frameworks &amp; Libraries"/>
-          <p:cNvSpPr/>
+          <p:cNvPr id="176" name="Events"/>
+          <p:cNvSpPr txBox="1"/>
           <p:nvPr>
             <p:ph type="title"/>
           </p:nvPr>
@@ -4225,15 +4234,15 @@
           <a:p>
             <a:pPr/>
             <a:r>
-              <a:t>Frameworks &amp; Libraries</a:t>
-            </a:r>
-          </a:p>
-        </p:txBody>
-      </p:sp>
-      <p:sp>
-        <p:nvSpPr>
-          <p:cNvPr id="177" name="What are they?…"/>
-          <p:cNvSpPr/>
+              <a:t>Events</a:t>
+            </a:r>
+          </a:p>
+        </p:txBody>
+      </p:sp>
+      <p:sp>
+        <p:nvSpPr>
+          <p:cNvPr id="177" name="Event analogy…"/>
+          <p:cNvSpPr txBox="1"/>
           <p:nvPr>
             <p:ph type="body" idx="1"/>
           </p:nvPr>
@@ -4252,31 +4261,37 @@
               <a:buNone/>
             </a:pPr>
             <a:r>
-              <a:t>What are they?</a:t>
-            </a:r>
-          </a:p>
-          <a:p>
-            <a:pPr/>
-            <a:r>
-              <a:t>Self-containted units of code</a:t>
-            </a:r>
-          </a:p>
-          <a:p>
-            <a:pPr/>
-            <a:r>
-              <a:t>Expose useful functionality </a:t>
-            </a:r>
-          </a:p>
-          <a:p>
-            <a:pPr/>
-            <a:r>
-              <a:t>Your code "consumes" them</a:t>
-            </a:r>
-          </a:p>
-          <a:p>
-            <a:pPr/>
-            <a:r>
-              <a:t>AKA APIs (Application Programming Interfaces)</a:t>
+              <a:t>Event analogy</a:t>
+            </a:r>
+          </a:p>
+          <a:p>
+            <a:pPr/>
+            <a:r>
+              <a:t>Imagine a radio station</a:t>
+            </a:r>
+          </a:p>
+          <a:p>
+            <a:pPr/>
+            <a:r>
+              <a:t>Station has listeners but doesn't know them</a:t>
+            </a:r>
+          </a:p>
+          <a:p>
+            <a:pPr/>
+            <a:r>
+              <a:t>Listeners can tune in and out</a:t>
+            </a:r>
+          </a:p>
+          <a:p>
+            <a:pPr/>
+            <a:r>
+              <a:t>Can respond differently to "their song"</a:t>
+            </a:r>
+          </a:p>
+          <a:p>
+            <a:pPr/>
+            <a:r>
+              <a:t>Maybe not even songs - FCC wants station IDs</a:t>
             </a:r>
           </a:p>
         </p:txBody>
@@ -4309,8 +4324,8 @@
       </p:grpSpPr>
       <p:sp>
         <p:nvSpPr>
-          <p:cNvPr id="179" name="Frameworks &amp; Libraries"/>
-          <p:cNvSpPr/>
+          <p:cNvPr id="179" name="Events"/>
+          <p:cNvSpPr txBox="1"/>
           <p:nvPr>
             <p:ph type="title"/>
           </p:nvPr>
@@ -4326,15 +4341,15 @@
           <a:p>
             <a:pPr/>
             <a:r>
-              <a:t>Frameworks &amp; Libraries</a:t>
-            </a:r>
-          </a:p>
-        </p:txBody>
-      </p:sp>
-      <p:sp>
-        <p:nvSpPr>
-          <p:cNvPr id="180" name="What's the difference?…"/>
-          <p:cNvSpPr/>
+              <a:t>Events</a:t>
+            </a:r>
+          </a:p>
+        </p:txBody>
+      </p:sp>
+      <p:sp>
+        <p:nvSpPr>
+          <p:cNvPr id="180" name="DOM Events…"/>
+          <p:cNvSpPr txBox="1"/>
           <p:nvPr>
             <p:ph type="body" idx="1"/>
           </p:nvPr>
@@ -4353,61 +4368,31 @@
               <a:buNone/>
             </a:pPr>
             <a:r>
-              <a:t>What's the difference?</a:t>
-            </a:r>
-          </a:p>
-          <a:p>
-            <a:pPr/>
-            <a:r>
-              <a:t>Not formally defined terms</a:t>
-            </a:r>
-          </a:p>
-          <a:p>
-            <a:pPr/>
-            <a:r>
-              <a:t>"Framework" refers to all-encompassing APIs</a:t>
-            </a:r>
-          </a:p>
-          <a:p>
-            <a:pPr lvl="1"/>
-            <a:r>
-              <a:t>"The project is written </a:t>
-            </a:r>
-            <a:r>
-              <a:rPr i="1">
-                <a:latin typeface="Helvetica"/>
-                <a:ea typeface="Helvetica"/>
-                <a:cs typeface="Helvetica"/>
-                <a:sym typeface="Helvetica"/>
-              </a:rPr>
-              <a:t>in</a:t>
-            </a:r>
-            <a:r>
-              <a:t> jQuery."</a:t>
-            </a:r>
-          </a:p>
-          <a:p>
-            <a:pPr/>
-            <a:r>
-              <a:t>"Library" refers to smaller building blocks</a:t>
-            </a:r>
-          </a:p>
-          <a:p>
-            <a:pPr lvl="1"/>
-            <a:r>
-              <a:t>"The project </a:t>
-            </a:r>
-            <a:r>
-              <a:rPr i="1">
-                <a:latin typeface="Helvetica"/>
-                <a:ea typeface="Helvetica"/>
-                <a:cs typeface="Helvetica"/>
-                <a:sym typeface="Helvetica"/>
-              </a:rPr>
-              <a:t>uses</a:t>
-            </a:r>
-            <a:r>
-              <a:t> Bootstrap."</a:t>
+              <a:t>DOM Events</a:t>
+            </a:r>
+          </a:p>
+          <a:p>
+            <a:pPr/>
+            <a:r>
+              <a:t>addEventListener API available on DOM Nodes</a:t>
+            </a:r>
+          </a:p>
+          <a:p>
+            <a:pPr/>
+            <a:r>
+              <a:t>addEventListener( 'evt-name', function (evt){…})</a:t>
+            </a:r>
+          </a:p>
+          <a:p>
+            <a:pPr/>
+            <a:r>
+              <a:t>function executed when event fires</a:t>
+            </a:r>
+          </a:p>
+          <a:p>
+            <a:pPr/>
+            <a:r>
+              <a:t>function receives event object as argument</a:t>
             </a:r>
           </a:p>
         </p:txBody>
@@ -4440,8 +4425,8 @@
       </p:grpSpPr>
       <p:sp>
         <p:nvSpPr>
-          <p:cNvPr id="182" name="Frameworks &amp; Libraries"/>
-          <p:cNvSpPr/>
+          <p:cNvPr id="182" name="Events"/>
+          <p:cNvSpPr txBox="1"/>
           <p:nvPr>
             <p:ph type="title"/>
           </p:nvPr>
@@ -4457,15 +4442,15 @@
           <a:p>
             <a:pPr/>
             <a:r>
-              <a:t>Frameworks &amp; Libraries</a:t>
-            </a:r>
-          </a:p>
-        </p:txBody>
-      </p:sp>
-      <p:sp>
-        <p:nvSpPr>
-          <p:cNvPr id="183" name="Why do they exist?…"/>
-          <p:cNvSpPr/>
+              <a:t>Events</a:t>
+            </a:r>
+          </a:p>
+        </p:txBody>
+      </p:sp>
+      <p:sp>
+        <p:nvSpPr>
+          <p:cNvPr id="183" name="DOM Events - common…"/>
+          <p:cNvSpPr txBox="1"/>
           <p:nvPr>
             <p:ph type="body" idx="1"/>
           </p:nvPr>
@@ -4484,31 +4469,31 @@
               <a:buNone/>
             </a:pPr>
             <a:r>
-              <a:t>Why do they exist?</a:t>
-            </a:r>
-          </a:p>
-          <a:p>
-            <a:pPr/>
-            <a:r>
-              <a:t>To fill some gap in the ecosystem</a:t>
-            </a:r>
-          </a:p>
-          <a:p>
-            <a:pPr/>
-            <a:r>
-              <a:t>JS launched without many traditional features</a:t>
-            </a:r>
-          </a:p>
-          <a:p>
-            <a:pPr/>
-            <a:r>
-              <a:t>Inconsistent environment among browsers</a:t>
-            </a:r>
-          </a:p>
-          <a:p>
-            <a:pPr/>
-            <a:r>
-              <a:t>HTML5 / ES6 have become "implement first"</a:t>
+              <a:t>DOM Events - common</a:t>
+            </a:r>
+          </a:p>
+          <a:p>
+            <a:pPr/>
+            <a:r>
+              <a:t>click</a:t>
+            </a:r>
+          </a:p>
+          <a:p>
+            <a:pPr/>
+            <a:r>
+              <a:t>change</a:t>
+            </a:r>
+          </a:p>
+          <a:p>
+            <a:pPr/>
+            <a:r>
+              <a:t>blur</a:t>
+            </a:r>
+          </a:p>
+          <a:p>
+            <a:pPr/>
+            <a:r>
+              <a:t>DOMContentLoaded</a:t>
             </a:r>
           </a:p>
         </p:txBody>
@@ -4541,8 +4526,8 @@
       </p:grpSpPr>
       <p:sp>
         <p:nvSpPr>
-          <p:cNvPr id="185" name="Frameworks &amp; Libraries"/>
-          <p:cNvSpPr/>
+          <p:cNvPr id="185" name="Events"/>
+          <p:cNvSpPr txBox="1"/>
           <p:nvPr>
             <p:ph type="title"/>
           </p:nvPr>
@@ -4558,15 +4543,15 @@
           <a:p>
             <a:pPr/>
             <a:r>
-              <a:t>Frameworks &amp; Libraries</a:t>
-            </a:r>
-          </a:p>
-        </p:txBody>
-      </p:sp>
-      <p:sp>
-        <p:nvSpPr>
-          <p:cNvPr id="186" name="Popular examples…"/>
-          <p:cNvSpPr/>
+              <a:t>Events</a:t>
+            </a:r>
+          </a:p>
+        </p:txBody>
+      </p:sp>
+      <p:sp>
+        <p:nvSpPr>
+          <p:cNvPr id="186" name="DOM Event bubbling…"/>
+          <p:cNvSpPr txBox="1"/>
           <p:nvPr>
             <p:ph type="body" idx="1"/>
           </p:nvPr>
@@ -4585,31 +4570,37 @@
               <a:buNone/>
             </a:pPr>
             <a:r>
-              <a:t>Popular examples</a:t>
-            </a:r>
-          </a:p>
-          <a:p>
-            <a:pPr/>
-            <a:r>
-              <a:t>jQuery: Swiss Army Knife</a:t>
-            </a:r>
-          </a:p>
-          <a:p>
-            <a:pPr/>
-            <a:r>
-              <a:t>Bootstrap: UI helper</a:t>
-            </a:r>
-          </a:p>
-          <a:p>
-            <a:pPr/>
-            <a:r>
-              <a:t>Require: Module loader</a:t>
-            </a:r>
-          </a:p>
-          <a:p>
-            <a:pPr/>
-            <a:r>
-              <a:t>Angular, React, Backbone: Single Page Apps</a:t>
+              <a:t>DOM Event bubbling</a:t>
+            </a:r>
+          </a:p>
+          <a:p>
+            <a:pPr/>
+            <a:r>
+              <a:t>Events 'bubble' up through their parents</a:t>
+            </a:r>
+          </a:p>
+          <a:p>
+            <a:pPr/>
+            <a:r>
+              <a:t>Clicking a button is also a click on…</a:t>
+            </a:r>
+          </a:p>
+          <a:p>
+            <a:pPr lvl="1"/>
+            <a:r>
+              <a:t>the form</a:t>
+            </a:r>
+          </a:p>
+          <a:p>
+            <a:pPr lvl="1"/>
+            <a:r>
+              <a:t>body</a:t>
+            </a:r>
+          </a:p>
+          <a:p>
+            <a:pPr lvl="1"/>
+            <a:r>
+              <a:t>document</a:t>
             </a:r>
           </a:p>
         </p:txBody>
@@ -4642,8 +4633,8 @@
       </p:grpSpPr>
       <p:sp>
         <p:nvSpPr>
-          <p:cNvPr id="188" name="Frameworks &amp; Libraries"/>
-          <p:cNvSpPr/>
+          <p:cNvPr id="188" name="Events"/>
+          <p:cNvSpPr txBox="1"/>
           <p:nvPr>
             <p:ph type="title"/>
           </p:nvPr>
@@ -4659,15 +4650,15 @@
           <a:p>
             <a:pPr/>
             <a:r>
-              <a:t>Frameworks &amp; Libraries</a:t>
-            </a:r>
-          </a:p>
-        </p:txBody>
-      </p:sp>
-      <p:sp>
-        <p:nvSpPr>
-          <p:cNvPr id="189" name="jQuery…"/>
-          <p:cNvSpPr/>
+              <a:t>Events</a:t>
+            </a:r>
+          </a:p>
+        </p:txBody>
+      </p:sp>
+      <p:sp>
+        <p:nvSpPr>
+          <p:cNvPr id="189" name="DOM Event bubbling…"/>
+          <p:cNvSpPr txBox="1"/>
           <p:nvPr>
             <p:ph type="body" idx="1"/>
           </p:nvPr>
@@ -4686,31 +4677,37 @@
               <a:buNone/>
             </a:pPr>
             <a:r>
-              <a:t>jQuery</a:t>
-            </a:r>
-          </a:p>
-          <a:p>
-            <a:pPr/>
-            <a:r>
-              <a:t>getElementById vs. getElementByIdTag</a:t>
-            </a:r>
-          </a:p>
-          <a:p>
-            <a:pPr/>
-            <a:r>
-              <a:t>Writing two sets of code was terrible</a:t>
-            </a:r>
-          </a:p>
-          <a:p>
-            <a:pPr/>
-            <a:r>
-              <a:t>jQuery was tested &amp; optimized</a:t>
-            </a:r>
-          </a:p>
-          <a:p>
-            <a:pPr/>
-            <a:r>
-              <a:t>Took off like wildfire</a:t>
+              <a:t>DOM Event bubbling</a:t>
+            </a:r>
+          </a:p>
+          <a:p>
+            <a:pPr/>
+            <a:r>
+              <a:t>Attach to the proper node</a:t>
+            </a:r>
+          </a:p>
+          <a:p>
+            <a:pPr/>
+            <a:r>
+              <a:t>Everything bubbles up to document </a:t>
+            </a:r>
+          </a:p>
+          <a:p>
+            <a:pPr/>
+            <a:r>
+              <a:t>But listening for a bubble is more expensive</a:t>
+            </a:r>
+          </a:p>
+          <a:p>
+            <a:pPr/>
+            <a:r>
+              <a:t>Attach to a lower node for better performance</a:t>
+            </a:r>
+          </a:p>
+          <a:p>
+            <a:pPr/>
+            <a:r>
+              <a:t>But lower node won't hear sibling events</a:t>
             </a:r>
           </a:p>
         </p:txBody>
@@ -4743,8 +4740,8 @@
       </p:grpSpPr>
       <p:sp>
         <p:nvSpPr>
-          <p:cNvPr id="191" name="Frameworks &amp; Libraries"/>
-          <p:cNvSpPr/>
+          <p:cNvPr id="191" name="Events"/>
+          <p:cNvSpPr txBox="1"/>
           <p:nvPr>
             <p:ph type="title"/>
           </p:nvPr>
@@ -4760,15 +4757,15 @@
           <a:p>
             <a:pPr/>
             <a:r>
-              <a:t>Frameworks &amp; Libraries</a:t>
-            </a:r>
-          </a:p>
-        </p:txBody>
-      </p:sp>
-      <p:sp>
-        <p:nvSpPr>
-          <p:cNvPr id="192" name="jQuery…"/>
-          <p:cNvSpPr/>
+              <a:t>Events</a:t>
+            </a:r>
+          </a:p>
+        </p:txBody>
+      </p:sp>
+      <p:sp>
+        <p:nvSpPr>
+          <p:cNvPr id="192" name="Custom Events…"/>
+          <p:cNvSpPr txBox="1"/>
           <p:nvPr>
             <p:ph type="body" idx="1"/>
           </p:nvPr>
@@ -4787,31 +4784,31 @@
               <a:buNone/>
             </a:pPr>
             <a:r>
-              <a:t>jQuery</a:t>
-            </a:r>
-          </a:p>
-          <a:p>
-            <a:pPr/>
-            <a:r>
-              <a:t>Gained network effect by massive caching </a:t>
-            </a:r>
-          </a:p>
-          <a:p>
-            <a:pPr/>
-            <a:r>
-              <a:t>Once everyone was using it, made sense to add</a:t>
-            </a:r>
-          </a:p>
-          <a:p>
-            <a:pPr lvl="1"/>
-            <a:r>
-              <a:t>Convenience methods (forEach, merge)</a:t>
-            </a:r>
-          </a:p>
-          <a:p>
-            <a:pPr lvl="1"/>
-            <a:r>
-              <a:t>Plugin capability</a:t>
+              <a:t>Custom Events</a:t>
+            </a:r>
+          </a:p>
+          <a:p>
+            <a:pPr/>
+            <a:r>
+              <a:t>DOM API to create your own event types</a:t>
+            </a:r>
+          </a:p>
+          <a:p>
+            <a:pPr/>
+            <a:r>
+              <a:t>var event = new CustomEvent('build', { 'detail': 'your data here' });</a:t>
+            </a:r>
+          </a:p>
+          <a:p>
+            <a:pPr/>
+            <a:r>
+              <a:t>domNode.dispatchEvent(event);</a:t>
+            </a:r>
+          </a:p>
+          <a:p>
+            <a:pPr/>
+            <a:r>
+              <a:t>Great way to communicate between your code</a:t>
             </a:r>
           </a:p>
         </p:txBody>
@@ -4844,8 +4841,8 @@
       </p:grpSpPr>
       <p:sp>
         <p:nvSpPr>
-          <p:cNvPr id="194" name="Lab: jQuery"/>
-          <p:cNvSpPr/>
+          <p:cNvPr id="194" name="Lab: Events"/>
+          <p:cNvSpPr txBox="1"/>
           <p:nvPr>
             <p:ph type="title"/>
           </p:nvPr>
@@ -4861,15 +4858,15 @@
           <a:p>
             <a:pPr/>
             <a:r>
-              <a:t>Lab: jQuery</a:t>
-            </a:r>
-          </a:p>
-        </p:txBody>
-      </p:sp>
-      <p:sp>
-        <p:nvSpPr>
-          <p:cNvPr id="195" name="Goal: use jQuery to help with common tasks…"/>
-          <p:cNvSpPr/>
+              <a:t>Lab: Events</a:t>
+            </a:r>
+          </a:p>
+        </p:txBody>
+      </p:sp>
+      <p:sp>
+        <p:nvSpPr>
+          <p:cNvPr id="195" name="Goal: become familiar with browser UI events…"/>
+          <p:cNvSpPr txBox="1"/>
           <p:nvPr>
             <p:ph type="body" idx="1"/>
           </p:nvPr>
@@ -4885,37 +4882,364 @@
           <a:p>
             <a:pPr/>
             <a:r>
-              <a:t>Goal: use jQuery to help with common tasks</a:t>
-            </a:r>
-          </a:p>
-          <a:p>
-            <a:pPr/>
-            <a:r>
-              <a:t>'npm install jquery'</a:t>
-            </a:r>
-          </a:p>
-          <a:p>
-            <a:pPr/>
-            <a:r>
-              <a:t>Add script tag pointing to node_modules</a:t>
-            </a:r>
-          </a:p>
-          <a:p>
-            <a:pPr/>
-            <a:r>
-              <a:t>Replace </a:t>
+              <a:t>Goal: become familiar with browser UI events</a:t>
+            </a:r>
+          </a:p>
+          <a:p>
+            <a:pPr/>
+            <a:r>
+              <a:t>Connect content generation method to </a:t>
             </a:r>
           </a:p>
           <a:p>
             <a:pPr lvl="1"/>
             <a:r>
-              <a:t>DOM modifications</a:t>
+              <a:t>button click event</a:t>
             </a:r>
           </a:p>
           <a:p>
             <a:pPr lvl="1"/>
             <a:r>
-              <a:t>Event bindings</a:t>
+              <a:t>select onchange event</a:t>
+            </a:r>
+          </a:p>
+          <a:p>
+            <a:pPr lvl="1"/>
+            <a:r>
+              <a:t>Input blur event</a:t>
+            </a:r>
+          </a:p>
+        </p:txBody>
+      </p:sp>
+    </p:spTree>
+  </p:cSld>
+  <p:clrMapOvr>
+    <a:masterClrMapping/>
+  </p:clrMapOvr>
+  <p:transition xmlns:p14="http://schemas.microsoft.com/office/powerpoint/2010/main" spd="med" advClick="1"/>
+</p:sld>
+</file>
+
+<file path=ppt/slides/slide27.xml><?xml version="1.0" encoding="utf-8"?>
+<p:sld xmlns:a="http://schemas.openxmlformats.org/drawingml/2006/main" xmlns:r="http://schemas.openxmlformats.org/officeDocument/2006/relationships" xmlns:p="http://schemas.openxmlformats.org/presentationml/2006/main" showMasterSp="1" showMasterPhAnim="1">
+  <p:cSld>
+    <p:spTree>
+      <p:nvGrpSpPr>
+        <p:cNvPr id="1" name=""/>
+        <p:cNvGrpSpPr/>
+        <p:nvPr/>
+      </p:nvGrpSpPr>
+      <p:grpSpPr>
+        <a:xfrm>
+          <a:off x="0" y="0"/>
+          <a:ext cx="0" cy="0"/>
+          <a:chOff x="0" y="0"/>
+          <a:chExt cx="0" cy="0"/>
+        </a:xfrm>
+      </p:grpSpPr>
+      <p:sp>
+        <p:nvSpPr>
+          <p:cNvPr id="197" name="Frameworks &amp; Libraries"/>
+          <p:cNvSpPr txBox="1"/>
+          <p:nvPr>
+            <p:ph type="title"/>
+          </p:nvPr>
+        </p:nvSpPr>
+        <p:spPr>
+          <a:prstGeom prst="rect">
+            <a:avLst/>
+          </a:prstGeom>
+        </p:spPr>
+        <p:txBody>
+          <a:bodyPr/>
+          <a:lstStyle/>
+          <a:p>
+            <a:pPr/>
+            <a:r>
+              <a:t>Frameworks &amp; Libraries</a:t>
+            </a:r>
+          </a:p>
+        </p:txBody>
+      </p:sp>
+      <p:sp>
+        <p:nvSpPr>
+          <p:cNvPr id="198" name="What are they?…"/>
+          <p:cNvSpPr txBox="1"/>
+          <p:nvPr>
+            <p:ph type="body" idx="1"/>
+          </p:nvPr>
+        </p:nvSpPr>
+        <p:spPr>
+          <a:prstGeom prst="rect">
+            <a:avLst/>
+          </a:prstGeom>
+        </p:spPr>
+        <p:txBody>
+          <a:bodyPr anchor="t"/>
+          <a:lstStyle/>
+          <a:p>
+            <a:pPr marL="0" indent="0">
+              <a:buSzTx/>
+              <a:buNone/>
+            </a:pPr>
+            <a:r>
+              <a:t>What are they?</a:t>
+            </a:r>
+          </a:p>
+          <a:p>
+            <a:pPr/>
+            <a:r>
+              <a:t>Self-containted units of code</a:t>
+            </a:r>
+          </a:p>
+          <a:p>
+            <a:pPr/>
+            <a:r>
+              <a:t>Expose useful functionality </a:t>
+            </a:r>
+          </a:p>
+          <a:p>
+            <a:pPr/>
+            <a:r>
+              <a:t>Your code "consumes" them</a:t>
+            </a:r>
+          </a:p>
+          <a:p>
+            <a:pPr/>
+            <a:r>
+              <a:t>AKA APIs (Application Programming Interfaces)</a:t>
+            </a:r>
+          </a:p>
+        </p:txBody>
+      </p:sp>
+    </p:spTree>
+  </p:cSld>
+  <p:clrMapOvr>
+    <a:masterClrMapping/>
+  </p:clrMapOvr>
+  <p:transition xmlns:p14="http://schemas.microsoft.com/office/powerpoint/2010/main" spd="med" advClick="1"/>
+</p:sld>
+</file>
+
+<file path=ppt/slides/slide28.xml><?xml version="1.0" encoding="utf-8"?>
+<p:sld xmlns:a="http://schemas.openxmlformats.org/drawingml/2006/main" xmlns:r="http://schemas.openxmlformats.org/officeDocument/2006/relationships" xmlns:p="http://schemas.openxmlformats.org/presentationml/2006/main" showMasterSp="1" showMasterPhAnim="1">
+  <p:cSld>
+    <p:spTree>
+      <p:nvGrpSpPr>
+        <p:cNvPr id="1" name=""/>
+        <p:cNvGrpSpPr/>
+        <p:nvPr/>
+      </p:nvGrpSpPr>
+      <p:grpSpPr>
+        <a:xfrm>
+          <a:off x="0" y="0"/>
+          <a:ext cx="0" cy="0"/>
+          <a:chOff x="0" y="0"/>
+          <a:chExt cx="0" cy="0"/>
+        </a:xfrm>
+      </p:grpSpPr>
+      <p:sp>
+        <p:nvSpPr>
+          <p:cNvPr id="200" name="Frameworks &amp; Libraries"/>
+          <p:cNvSpPr txBox="1"/>
+          <p:nvPr>
+            <p:ph type="title"/>
+          </p:nvPr>
+        </p:nvSpPr>
+        <p:spPr>
+          <a:prstGeom prst="rect">
+            <a:avLst/>
+          </a:prstGeom>
+        </p:spPr>
+        <p:txBody>
+          <a:bodyPr/>
+          <a:lstStyle/>
+          <a:p>
+            <a:pPr/>
+            <a:r>
+              <a:t>Frameworks &amp; Libraries</a:t>
+            </a:r>
+          </a:p>
+        </p:txBody>
+      </p:sp>
+      <p:sp>
+        <p:nvSpPr>
+          <p:cNvPr id="201" name="What's the difference?…"/>
+          <p:cNvSpPr txBox="1"/>
+          <p:nvPr>
+            <p:ph type="body" idx="1"/>
+          </p:nvPr>
+        </p:nvSpPr>
+        <p:spPr>
+          <a:prstGeom prst="rect">
+            <a:avLst/>
+          </a:prstGeom>
+        </p:spPr>
+        <p:txBody>
+          <a:bodyPr anchor="t"/>
+          <a:lstStyle/>
+          <a:p>
+            <a:pPr marL="0" indent="0">
+              <a:buSzTx/>
+              <a:buNone/>
+            </a:pPr>
+            <a:r>
+              <a:t>What's the difference?</a:t>
+            </a:r>
+          </a:p>
+          <a:p>
+            <a:pPr/>
+            <a:r>
+              <a:t>Not formally defined terms</a:t>
+            </a:r>
+          </a:p>
+          <a:p>
+            <a:pPr/>
+            <a:r>
+              <a:t>"Framework" refers to all-encompassing APIs</a:t>
+            </a:r>
+          </a:p>
+          <a:p>
+            <a:pPr lvl="1"/>
+            <a:r>
+              <a:t>"The project is written </a:t>
+            </a:r>
+            <a:r>
+              <a:rPr i="1">
+                <a:latin typeface="Helvetica"/>
+                <a:ea typeface="Helvetica"/>
+                <a:cs typeface="Helvetica"/>
+                <a:sym typeface="Helvetica"/>
+              </a:rPr>
+              <a:t>in</a:t>
+            </a:r>
+            <a:r>
+              <a:t> jQuery."</a:t>
+            </a:r>
+          </a:p>
+          <a:p>
+            <a:pPr/>
+            <a:r>
+              <a:t>"Library" refers to smaller building blocks</a:t>
+            </a:r>
+          </a:p>
+          <a:p>
+            <a:pPr lvl="1"/>
+            <a:r>
+              <a:t>"The project </a:t>
+            </a:r>
+            <a:r>
+              <a:rPr i="1">
+                <a:latin typeface="Helvetica"/>
+                <a:ea typeface="Helvetica"/>
+                <a:cs typeface="Helvetica"/>
+                <a:sym typeface="Helvetica"/>
+              </a:rPr>
+              <a:t>uses</a:t>
+            </a:r>
+            <a:r>
+              <a:t> Bootstrap."</a:t>
+            </a:r>
+          </a:p>
+        </p:txBody>
+      </p:sp>
+    </p:spTree>
+  </p:cSld>
+  <p:clrMapOvr>
+    <a:masterClrMapping/>
+  </p:clrMapOvr>
+  <p:transition xmlns:p14="http://schemas.microsoft.com/office/powerpoint/2010/main" spd="med" advClick="1"/>
+</p:sld>
+</file>
+
+<file path=ppt/slides/slide29.xml><?xml version="1.0" encoding="utf-8"?>
+<p:sld xmlns:a="http://schemas.openxmlformats.org/drawingml/2006/main" xmlns:r="http://schemas.openxmlformats.org/officeDocument/2006/relationships" xmlns:p="http://schemas.openxmlformats.org/presentationml/2006/main" showMasterSp="1" showMasterPhAnim="1">
+  <p:cSld>
+    <p:spTree>
+      <p:nvGrpSpPr>
+        <p:cNvPr id="1" name=""/>
+        <p:cNvGrpSpPr/>
+        <p:nvPr/>
+      </p:nvGrpSpPr>
+      <p:grpSpPr>
+        <a:xfrm>
+          <a:off x="0" y="0"/>
+          <a:ext cx="0" cy="0"/>
+          <a:chOff x="0" y="0"/>
+          <a:chExt cx="0" cy="0"/>
+        </a:xfrm>
+      </p:grpSpPr>
+      <p:sp>
+        <p:nvSpPr>
+          <p:cNvPr id="203" name="Frameworks &amp; Libraries"/>
+          <p:cNvSpPr txBox="1"/>
+          <p:nvPr>
+            <p:ph type="title"/>
+          </p:nvPr>
+        </p:nvSpPr>
+        <p:spPr>
+          <a:prstGeom prst="rect">
+            <a:avLst/>
+          </a:prstGeom>
+        </p:spPr>
+        <p:txBody>
+          <a:bodyPr/>
+          <a:lstStyle/>
+          <a:p>
+            <a:pPr/>
+            <a:r>
+              <a:t>Frameworks &amp; Libraries</a:t>
+            </a:r>
+          </a:p>
+        </p:txBody>
+      </p:sp>
+      <p:sp>
+        <p:nvSpPr>
+          <p:cNvPr id="204" name="Why do they exist?…"/>
+          <p:cNvSpPr txBox="1"/>
+          <p:nvPr>
+            <p:ph type="body" idx="1"/>
+          </p:nvPr>
+        </p:nvSpPr>
+        <p:spPr>
+          <a:prstGeom prst="rect">
+            <a:avLst/>
+          </a:prstGeom>
+        </p:spPr>
+        <p:txBody>
+          <a:bodyPr anchor="t"/>
+          <a:lstStyle/>
+          <a:p>
+            <a:pPr marL="0" indent="0">
+              <a:buSzTx/>
+              <a:buNone/>
+            </a:pPr>
+            <a:r>
+              <a:t>Why do they exist?</a:t>
+            </a:r>
+          </a:p>
+          <a:p>
+            <a:pPr/>
+            <a:r>
+              <a:t>To fill some gap in the ecosystem</a:t>
+            </a:r>
+          </a:p>
+          <a:p>
+            <a:pPr/>
+            <a:r>
+              <a:t>JS launched without many traditional features</a:t>
+            </a:r>
+          </a:p>
+          <a:p>
+            <a:pPr/>
+            <a:r>
+              <a:t>Inconsistent environment among browsers</a:t>
+            </a:r>
+          </a:p>
+          <a:p>
+            <a:pPr/>
+            <a:r>
+              <a:t>HTML5 / ES6 have become "implement first"</a:t>
             </a:r>
           </a:p>
         </p:txBody>
@@ -4949,7 +5273,7 @@
       <p:sp>
         <p:nvSpPr>
           <p:cNvPr id="125" name="Functions"/>
-          <p:cNvSpPr/>
+          <p:cNvSpPr txBox="1"/>
           <p:nvPr>
             <p:ph type="title"/>
           </p:nvPr>
@@ -4973,7 +5297,7 @@
       <p:sp>
         <p:nvSpPr>
           <p:cNvPr id="126" name="Hoisting…"/>
-          <p:cNvSpPr/>
+          <p:cNvSpPr txBox="1"/>
           <p:nvPr>
             <p:ph type="body" idx="1"/>
           </p:nvPr>
@@ -5004,13 +5328,13 @@
           <a:p>
             <a:pPr/>
             <a:r>
-              <a:t>Statement execution happens next</a:t>
-            </a:r>
-          </a:p>
-          <a:p>
-            <a:pPr/>
-            <a:r>
-              <a:t>So in written order, execution can come first</a:t>
+              <a:t>Statement execution happens afterwards</a:t>
+            </a:r>
+          </a:p>
+          <a:p>
+            <a:pPr/>
+            <a:r>
+              <a:t>Written order (line number) doesn't matter</a:t>
             </a:r>
           </a:p>
           <a:p>
@@ -5023,6 +5347,505 @@
             <a:pPr/>
             <a:r>
               <a:t>This is referred to as "hoisting"</a:t>
+            </a:r>
+          </a:p>
+        </p:txBody>
+      </p:sp>
+    </p:spTree>
+  </p:cSld>
+  <p:clrMapOvr>
+    <a:masterClrMapping/>
+  </p:clrMapOvr>
+  <p:transition xmlns:p14="http://schemas.microsoft.com/office/powerpoint/2010/main" spd="med" advClick="1"/>
+</p:sld>
+</file>
+
+<file path=ppt/slides/slide30.xml><?xml version="1.0" encoding="utf-8"?>
+<p:sld xmlns:a="http://schemas.openxmlformats.org/drawingml/2006/main" xmlns:r="http://schemas.openxmlformats.org/officeDocument/2006/relationships" xmlns:p="http://schemas.openxmlformats.org/presentationml/2006/main" showMasterSp="1" showMasterPhAnim="1">
+  <p:cSld>
+    <p:spTree>
+      <p:nvGrpSpPr>
+        <p:cNvPr id="1" name=""/>
+        <p:cNvGrpSpPr/>
+        <p:nvPr/>
+      </p:nvGrpSpPr>
+      <p:grpSpPr>
+        <a:xfrm>
+          <a:off x="0" y="0"/>
+          <a:ext cx="0" cy="0"/>
+          <a:chOff x="0" y="0"/>
+          <a:chExt cx="0" cy="0"/>
+        </a:xfrm>
+      </p:grpSpPr>
+      <p:sp>
+        <p:nvSpPr>
+          <p:cNvPr id="206" name="Frameworks &amp; Libraries"/>
+          <p:cNvSpPr txBox="1"/>
+          <p:nvPr>
+            <p:ph type="title"/>
+          </p:nvPr>
+        </p:nvSpPr>
+        <p:spPr>
+          <a:prstGeom prst="rect">
+            <a:avLst/>
+          </a:prstGeom>
+        </p:spPr>
+        <p:txBody>
+          <a:bodyPr/>
+          <a:lstStyle/>
+          <a:p>
+            <a:pPr/>
+            <a:r>
+              <a:t>Frameworks &amp; Libraries</a:t>
+            </a:r>
+          </a:p>
+        </p:txBody>
+      </p:sp>
+      <p:sp>
+        <p:nvSpPr>
+          <p:cNvPr id="207" name="Popular examples…"/>
+          <p:cNvSpPr txBox="1"/>
+          <p:nvPr>
+            <p:ph type="body" idx="1"/>
+          </p:nvPr>
+        </p:nvSpPr>
+        <p:spPr>
+          <a:prstGeom prst="rect">
+            <a:avLst/>
+          </a:prstGeom>
+        </p:spPr>
+        <p:txBody>
+          <a:bodyPr anchor="t"/>
+          <a:lstStyle/>
+          <a:p>
+            <a:pPr marL="0" indent="0">
+              <a:buSzTx/>
+              <a:buNone/>
+            </a:pPr>
+            <a:r>
+              <a:t>Popular examples</a:t>
+            </a:r>
+          </a:p>
+          <a:p>
+            <a:pPr/>
+            <a:r>
+              <a:t>jQuery: Swiss Army Knife</a:t>
+            </a:r>
+          </a:p>
+          <a:p>
+            <a:pPr/>
+            <a:r>
+              <a:t>Bootstrap: UI helper</a:t>
+            </a:r>
+          </a:p>
+          <a:p>
+            <a:pPr/>
+            <a:r>
+              <a:t>Require: Module loader</a:t>
+            </a:r>
+          </a:p>
+          <a:p>
+            <a:pPr/>
+            <a:r>
+              <a:t>Angular, React, Backbone: Single Page Apps</a:t>
+            </a:r>
+          </a:p>
+        </p:txBody>
+      </p:sp>
+    </p:spTree>
+  </p:cSld>
+  <p:clrMapOvr>
+    <a:masterClrMapping/>
+  </p:clrMapOvr>
+  <p:transition xmlns:p14="http://schemas.microsoft.com/office/powerpoint/2010/main" spd="med" advClick="1"/>
+</p:sld>
+</file>
+
+<file path=ppt/slides/slide31.xml><?xml version="1.0" encoding="utf-8"?>
+<p:sld xmlns:a="http://schemas.openxmlformats.org/drawingml/2006/main" xmlns:r="http://schemas.openxmlformats.org/officeDocument/2006/relationships" xmlns:p="http://schemas.openxmlformats.org/presentationml/2006/main" showMasterSp="1" showMasterPhAnim="1">
+  <p:cSld>
+    <p:spTree>
+      <p:nvGrpSpPr>
+        <p:cNvPr id="1" name=""/>
+        <p:cNvGrpSpPr/>
+        <p:nvPr/>
+      </p:nvGrpSpPr>
+      <p:grpSpPr>
+        <a:xfrm>
+          <a:off x="0" y="0"/>
+          <a:ext cx="0" cy="0"/>
+          <a:chOff x="0" y="0"/>
+          <a:chExt cx="0" cy="0"/>
+        </a:xfrm>
+      </p:grpSpPr>
+      <p:sp>
+        <p:nvSpPr>
+          <p:cNvPr id="209" name="jQuery"/>
+          <p:cNvSpPr txBox="1"/>
+          <p:nvPr>
+            <p:ph type="title"/>
+          </p:nvPr>
+        </p:nvSpPr>
+        <p:spPr>
+          <a:prstGeom prst="rect">
+            <a:avLst/>
+          </a:prstGeom>
+        </p:spPr>
+        <p:txBody>
+          <a:bodyPr/>
+          <a:lstStyle/>
+          <a:p>
+            <a:pPr/>
+            <a:r>
+              <a:t>jQuery</a:t>
+            </a:r>
+          </a:p>
+        </p:txBody>
+      </p:sp>
+      <p:sp>
+        <p:nvSpPr>
+          <p:cNvPr id="210" name="Browser wars - IE &amp; Netscape APIs:…"/>
+          <p:cNvSpPr txBox="1"/>
+          <p:nvPr>
+            <p:ph type="body" idx="1"/>
+          </p:nvPr>
+        </p:nvSpPr>
+        <p:spPr>
+          <a:prstGeom prst="rect">
+            <a:avLst/>
+          </a:prstGeom>
+        </p:spPr>
+        <p:txBody>
+          <a:bodyPr anchor="t"/>
+          <a:lstStyle/>
+          <a:p>
+            <a:pPr/>
+            <a:r>
+              <a:t>Browser wars - IE &amp; Netscape APIs:</a:t>
+            </a:r>
+          </a:p>
+          <a:p>
+            <a:pPr lvl="1"/>
+            <a:r>
+              <a:t>getElementById vs. getElementByIdTag</a:t>
+            </a:r>
+          </a:p>
+          <a:p>
+            <a:pPr/>
+            <a:r>
+              <a:t>Writing two sets of code was terrible</a:t>
+            </a:r>
+          </a:p>
+          <a:p>
+            <a:pPr/>
+            <a:r>
+              <a:t>jQuery was tested &amp; optimized</a:t>
+            </a:r>
+          </a:p>
+          <a:p>
+            <a:pPr/>
+            <a:r>
+              <a:t>Took off like wildfire</a:t>
+            </a:r>
+          </a:p>
+        </p:txBody>
+      </p:sp>
+    </p:spTree>
+  </p:cSld>
+  <p:clrMapOvr>
+    <a:masterClrMapping/>
+  </p:clrMapOvr>
+  <p:transition xmlns:p14="http://schemas.microsoft.com/office/powerpoint/2010/main" spd="med" advClick="1"/>
+</p:sld>
+</file>
+
+<file path=ppt/slides/slide32.xml><?xml version="1.0" encoding="utf-8"?>
+<p:sld xmlns:a="http://schemas.openxmlformats.org/drawingml/2006/main" xmlns:r="http://schemas.openxmlformats.org/officeDocument/2006/relationships" xmlns:p="http://schemas.openxmlformats.org/presentationml/2006/main" showMasterSp="1" showMasterPhAnim="1">
+  <p:cSld>
+    <p:spTree>
+      <p:nvGrpSpPr>
+        <p:cNvPr id="1" name=""/>
+        <p:cNvGrpSpPr/>
+        <p:nvPr/>
+      </p:nvGrpSpPr>
+      <p:grpSpPr>
+        <a:xfrm>
+          <a:off x="0" y="0"/>
+          <a:ext cx="0" cy="0"/>
+          <a:chOff x="0" y="0"/>
+          <a:chExt cx="0" cy="0"/>
+        </a:xfrm>
+      </p:grpSpPr>
+      <p:sp>
+        <p:nvSpPr>
+          <p:cNvPr id="212" name="jQuery"/>
+          <p:cNvSpPr txBox="1"/>
+          <p:nvPr>
+            <p:ph type="title"/>
+          </p:nvPr>
+        </p:nvSpPr>
+        <p:spPr>
+          <a:prstGeom prst="rect">
+            <a:avLst/>
+          </a:prstGeom>
+        </p:spPr>
+        <p:txBody>
+          <a:bodyPr/>
+          <a:lstStyle/>
+          <a:p>
+            <a:pPr/>
+            <a:r>
+              <a:t>jQuery</a:t>
+            </a:r>
+          </a:p>
+        </p:txBody>
+      </p:sp>
+      <p:sp>
+        <p:nvSpPr>
+          <p:cNvPr id="213" name="Gained network effect by massive caching…"/>
+          <p:cNvSpPr txBox="1"/>
+          <p:nvPr>
+            <p:ph type="body" idx="1"/>
+          </p:nvPr>
+        </p:nvSpPr>
+        <p:spPr>
+          <a:prstGeom prst="rect">
+            <a:avLst/>
+          </a:prstGeom>
+        </p:spPr>
+        <p:txBody>
+          <a:bodyPr anchor="t"/>
+          <a:lstStyle/>
+          <a:p>
+            <a:pPr/>
+            <a:r>
+              <a:t>Gained network effect by massive caching </a:t>
+            </a:r>
+          </a:p>
+          <a:p>
+            <a:pPr/>
+            <a:r>
+              <a:t>Once everyone was using it, made sense to add</a:t>
+            </a:r>
+          </a:p>
+          <a:p>
+            <a:pPr lvl="1"/>
+            <a:r>
+              <a:t>Convenience methods (forEach, merge)</a:t>
+            </a:r>
+          </a:p>
+          <a:p>
+            <a:pPr lvl="1"/>
+            <a:r>
+              <a:t>Plugin capability</a:t>
+            </a:r>
+          </a:p>
+        </p:txBody>
+      </p:sp>
+    </p:spTree>
+  </p:cSld>
+  <p:clrMapOvr>
+    <a:masterClrMapping/>
+  </p:clrMapOvr>
+  <p:transition xmlns:p14="http://schemas.microsoft.com/office/powerpoint/2010/main" spd="med" advClick="1"/>
+</p:sld>
+</file>
+
+<file path=ppt/slides/slide33.xml><?xml version="1.0" encoding="utf-8"?>
+<p:sld xmlns:a="http://schemas.openxmlformats.org/drawingml/2006/main" xmlns:r="http://schemas.openxmlformats.org/officeDocument/2006/relationships" xmlns:p="http://schemas.openxmlformats.org/presentationml/2006/main" showMasterSp="1" showMasterPhAnim="1">
+  <p:cSld>
+    <p:spTree>
+      <p:nvGrpSpPr>
+        <p:cNvPr id="1" name=""/>
+        <p:cNvGrpSpPr/>
+        <p:nvPr/>
+      </p:nvGrpSpPr>
+      <p:grpSpPr>
+        <a:xfrm>
+          <a:off x="0" y="0"/>
+          <a:ext cx="0" cy="0"/>
+          <a:chOff x="0" y="0"/>
+          <a:chExt cx="0" cy="0"/>
+        </a:xfrm>
+      </p:grpSpPr>
+      <p:sp>
+        <p:nvSpPr>
+          <p:cNvPr id="215" name="jQuery"/>
+          <p:cNvSpPr txBox="1"/>
+          <p:nvPr>
+            <p:ph type="title"/>
+          </p:nvPr>
+        </p:nvSpPr>
+        <p:spPr>
+          <a:prstGeom prst="rect">
+            <a:avLst/>
+          </a:prstGeom>
+        </p:spPr>
+        <p:txBody>
+          <a:bodyPr/>
+          <a:lstStyle/>
+          <a:p>
+            <a:pPr/>
+            <a:r>
+              <a:t>jQuery</a:t>
+            </a:r>
+          </a:p>
+        </p:txBody>
+      </p:sp>
+      <p:sp>
+        <p:nvSpPr>
+          <p:cNvPr id="216" name="Add to page via &lt;script&gt;…"/>
+          <p:cNvSpPr txBox="1"/>
+          <p:nvPr>
+            <p:ph type="body" idx="1"/>
+          </p:nvPr>
+        </p:nvSpPr>
+        <p:spPr>
+          <a:prstGeom prst="rect">
+            <a:avLst/>
+          </a:prstGeom>
+        </p:spPr>
+        <p:txBody>
+          <a:bodyPr anchor="t"/>
+          <a:lstStyle/>
+          <a:p>
+            <a:pPr/>
+            <a:r>
+              <a:t>Add to page via &lt;script&gt;</a:t>
+            </a:r>
+          </a:p>
+          <a:p>
+            <a:pPr/>
+            <a:r>
+              <a:t>Available as 'jQuery' and also '$'</a:t>
+            </a:r>
+          </a:p>
+          <a:p>
+            <a:pPr/>
+            <a:r>
+              <a:t>Use CSS Selectors to fetch elements</a:t>
+            </a:r>
+          </a:p>
+          <a:p>
+            <a:pPr/>
+            <a:r>
+              <a:t>Then call convenience methods</a:t>
+            </a:r>
+          </a:p>
+          <a:p>
+            <a:pPr/>
+            <a:r>
+              <a:t>$( '#myId' ).append( '&lt;h2&gt;appended&lt;/h2&gt;' );</a:t>
+            </a:r>
+          </a:p>
+          <a:p>
+            <a:pPr/>
+            <a:r>
+              <a:t>jQuery( '#myId h2' ).remove();</a:t>
+            </a:r>
+          </a:p>
+        </p:txBody>
+      </p:sp>
+    </p:spTree>
+  </p:cSld>
+  <p:clrMapOvr>
+    <a:masterClrMapping/>
+  </p:clrMapOvr>
+  <p:transition xmlns:p14="http://schemas.microsoft.com/office/powerpoint/2010/main" spd="med" advClick="1"/>
+</p:sld>
+</file>
+
+<file path=ppt/slides/slide34.xml><?xml version="1.0" encoding="utf-8"?>
+<p:sld xmlns:a="http://schemas.openxmlformats.org/drawingml/2006/main" xmlns:r="http://schemas.openxmlformats.org/officeDocument/2006/relationships" xmlns:p="http://schemas.openxmlformats.org/presentationml/2006/main" showMasterSp="1" showMasterPhAnim="1">
+  <p:cSld>
+    <p:spTree>
+      <p:nvGrpSpPr>
+        <p:cNvPr id="1" name=""/>
+        <p:cNvGrpSpPr/>
+        <p:nvPr/>
+      </p:nvGrpSpPr>
+      <p:grpSpPr>
+        <a:xfrm>
+          <a:off x="0" y="0"/>
+          <a:ext cx="0" cy="0"/>
+          <a:chOff x="0" y="0"/>
+          <a:chExt cx="0" cy="0"/>
+        </a:xfrm>
+      </p:grpSpPr>
+      <p:sp>
+        <p:nvSpPr>
+          <p:cNvPr id="218" name="Lab: jQuery"/>
+          <p:cNvSpPr txBox="1"/>
+          <p:nvPr>
+            <p:ph type="title"/>
+          </p:nvPr>
+        </p:nvSpPr>
+        <p:spPr>
+          <a:prstGeom prst="rect">
+            <a:avLst/>
+          </a:prstGeom>
+        </p:spPr>
+        <p:txBody>
+          <a:bodyPr/>
+          <a:lstStyle/>
+          <a:p>
+            <a:pPr/>
+            <a:r>
+              <a:t>Lab: jQuery</a:t>
+            </a:r>
+          </a:p>
+        </p:txBody>
+      </p:sp>
+      <p:sp>
+        <p:nvSpPr>
+          <p:cNvPr id="219" name="Goal: use jQuery to help with common tasks…"/>
+          <p:cNvSpPr txBox="1"/>
+          <p:nvPr>
+            <p:ph type="body" idx="1"/>
+          </p:nvPr>
+        </p:nvSpPr>
+        <p:spPr>
+          <a:prstGeom prst="rect">
+            <a:avLst/>
+          </a:prstGeom>
+        </p:spPr>
+        <p:txBody>
+          <a:bodyPr anchor="t"/>
+          <a:lstStyle/>
+          <a:p>
+            <a:pPr/>
+            <a:r>
+              <a:t>Goal: use jQuery to help with common tasks</a:t>
+            </a:r>
+          </a:p>
+          <a:p>
+            <a:pPr/>
+            <a:r>
+              <a:t>Local copy: 'npm install jquery'</a:t>
+            </a:r>
+          </a:p>
+          <a:p>
+            <a:pPr/>
+            <a:r>
+              <a:t>Add script tag pointing to node_modules</a:t>
+            </a:r>
+          </a:p>
+          <a:p>
+            <a:pPr/>
+            <a:r>
+              <a:t>Replace </a:t>
+            </a:r>
+          </a:p>
+          <a:p>
+            <a:pPr lvl="1"/>
+            <a:r>
+              <a:t>DOM modifications</a:t>
+            </a:r>
+          </a:p>
+          <a:p>
+            <a:pPr lvl="1"/>
+            <a:r>
+              <a:t>Event bindings</a:t>
             </a:r>
           </a:p>
         </p:txBody>
@@ -5056,7 +5879,7 @@
       <p:sp>
         <p:nvSpPr>
           <p:cNvPr id="128" name="Functions"/>
-          <p:cNvSpPr/>
+          <p:cNvSpPr txBox="1"/>
           <p:nvPr>
             <p:ph type="title"/>
           </p:nvPr>
@@ -5079,8 +5902,8 @@
       </p:sp>
       <p:sp>
         <p:nvSpPr>
-          <p:cNvPr id="129" name="Scope…"/>
-          <p:cNvSpPr/>
+          <p:cNvPr id="129" name="Hoisting - style…"/>
+          <p:cNvSpPr txBox="1"/>
           <p:nvPr>
             <p:ph type="body" idx="1"/>
           </p:nvPr>
@@ -5099,31 +5922,37 @@
               <a:buNone/>
             </a:pPr>
             <a:r>
-              <a:t>Scope</a:t>
-            </a:r>
-          </a:p>
-          <a:p>
-            <a:pPr/>
-            <a:r>
-              <a:t>Nested functions start a new variable "scope"</a:t>
-            </a:r>
-          </a:p>
-          <a:p>
-            <a:pPr/>
-            <a:r>
-              <a:t>Nested functions can access vars above</a:t>
-            </a:r>
-          </a:p>
-          <a:p>
-            <a:pPr/>
-            <a:r>
-              <a:t>( hence global scope available to all others )</a:t>
-            </a:r>
-          </a:p>
-          <a:p>
-            <a:pPr/>
-            <a:r>
-              <a:t>But not vice versa</a:t>
+              <a:t>Hoisting - style</a:t>
+            </a:r>
+          </a:p>
+          <a:p>
+            <a:pPr/>
+            <a:r>
+              <a:t>Opinions differ whether hoisting should be used</a:t>
+            </a:r>
+          </a:p>
+          <a:p>
+            <a:pPr lvl="1"/>
+            <a:r>
+              <a:t>Declare first </a:t>
+            </a:r>
+          </a:p>
+          <a:p>
+            <a:pPr lvl="1"/>
+            <a:r>
+              <a:t>Declare last</a:t>
+            </a:r>
+          </a:p>
+          <a:p>
+            <a:pPr lvl="1"/>
+            <a:r>
+              <a:t>Declare close to first use</a:t>
+            </a:r>
+          </a:p>
+          <a:p>
+            <a:pPr/>
+            <a:r>
+              <a:t>Pick one and stick with it</a:t>
             </a:r>
           </a:p>
         </p:txBody>
@@ -5157,7 +5986,7 @@
       <p:sp>
         <p:nvSpPr>
           <p:cNvPr id="131" name="Functions"/>
-          <p:cNvSpPr/>
+          <p:cNvSpPr txBox="1"/>
           <p:nvPr>
             <p:ph type="title"/>
           </p:nvPr>
@@ -5180,8 +6009,8 @@
       </p:sp>
       <p:sp>
         <p:nvSpPr>
-          <p:cNvPr id="132" name="Closure…"/>
-          <p:cNvSpPr/>
+          <p:cNvPr id="132" name="Hoisting - practical application…"/>
+          <p:cNvSpPr txBox="1"/>
           <p:nvPr>
             <p:ph type="body" idx="1"/>
           </p:nvPr>
@@ -5200,37 +6029,31 @@
               <a:buNone/>
             </a:pPr>
             <a:r>
-              <a:t>Closure</a:t>
-            </a:r>
-          </a:p>
-          <a:p>
-            <a:pPr/>
-            <a:r>
-              <a:t>Nested function references a var above it</a:t>
-            </a:r>
-          </a:p>
-          <a:p>
-            <a:pPr/>
-            <a:r>
-              <a:t>Enclosing function returns nested function</a:t>
-            </a:r>
-          </a:p>
-          <a:p>
-            <a:pPr/>
-            <a:r>
-              <a:t>Outer code now has reference to inner var</a:t>
-            </a:r>
-          </a:p>
-          <a:p>
-            <a:pPr/>
-            <a:r>
-              <a:t>This reference remains after enclosure exits</a:t>
-            </a:r>
-          </a:p>
-          <a:p>
-            <a:pPr/>
-            <a:r>
-              <a:t>Needs to be manually deferenced, else leak</a:t>
+              <a:t>Hoisting - practical application</a:t>
+            </a:r>
+          </a:p>
+          <a:p>
+            <a:pPr/>
+            <a:r>
+              <a:t>Hoisting can be used to manage dependencies</a:t>
+            </a:r>
+          </a:p>
+          <a:p>
+            <a:pPr/>
+            <a:r>
+              <a:t>Wrap all code within function definition</a:t>
+            </a:r>
+          </a:p>
+          <a:p>
+            <a:pPr/>
+            <a:r>
+              <a:t>Within definition, free to reference anything</a:t>
+            </a:r>
+          </a:p>
+          <a:p>
+            <a:pPr/>
+            <a:r>
+              <a:t>Execute function when dependencies are ready</a:t>
             </a:r>
           </a:p>
         </p:txBody>
@@ -5264,7 +6087,7 @@
       <p:sp>
         <p:nvSpPr>
           <p:cNvPr id="134" name="Functions"/>
-          <p:cNvSpPr/>
+          <p:cNvSpPr txBox="1"/>
           <p:nvPr>
             <p:ph type="title"/>
           </p:nvPr>
@@ -5287,8 +6110,8 @@
       </p:sp>
       <p:sp>
         <p:nvSpPr>
-          <p:cNvPr id="135" name="Context…"/>
-          <p:cNvSpPr/>
+          <p:cNvPr id="135" name="Scope…"/>
+          <p:cNvSpPr txBox="1"/>
           <p:nvPr>
             <p:ph type="body" idx="1"/>
           </p:nvPr>
@@ -5307,46 +6130,31 @@
               <a:buNone/>
             </a:pPr>
             <a:r>
-              <a:t>Context</a:t>
-            </a:r>
-          </a:p>
-          <a:p>
-            <a:pPr/>
-            <a:r>
-              <a:t>Remember functions as Constructors?</a:t>
-            </a:r>
-          </a:p>
-          <a:p>
-            <a:pPr/>
-            <a:r>
-              <a:t>'this' keyword refers to the </a:t>
-            </a:r>
-            <a:r>
-              <a:rPr i="1">
-                <a:latin typeface="Helvetica"/>
-                <a:ea typeface="Helvetica"/>
-                <a:cs typeface="Helvetica"/>
-                <a:sym typeface="Helvetica"/>
-              </a:rPr>
-              <a:t>instance</a:t>
-            </a:r>
-            <a:endParaRPr i="1">
-              <a:latin typeface="Helvetica"/>
-              <a:ea typeface="Helvetica"/>
-              <a:cs typeface="Helvetica"/>
-              <a:sym typeface="Helvetica"/>
-            </a:endParaRPr>
-          </a:p>
-          <a:p>
-            <a:pPr/>
-            <a:r>
-              <a:t>Instance mostly commonly provided via method</a:t>
-            </a:r>
-          </a:p>
-          <a:p>
-            <a:pPr/>
-            <a:r>
-              <a:t>But can be overridden via call, apply, bind</a:t>
+              <a:t>Scope</a:t>
+            </a:r>
+          </a:p>
+          <a:p>
+            <a:pPr/>
+            <a:r>
+              <a:t>'var' keyword creates function-scoped variable</a:t>
+            </a:r>
+          </a:p>
+          <a:p>
+            <a:pPr/>
+            <a:r>
+              <a:t>Once declared, var is available anywhere within the function body</a:t>
+            </a:r>
+          </a:p>
+          <a:p>
+            <a:pPr/>
+            <a:r>
+              <a:t>This includes index vars used in for loops</a:t>
+            </a:r>
+          </a:p>
+          <a:p>
+            <a:pPr/>
+            <a:r>
+              <a:t>for ( var i; i &lt; someValue; i++) { … } // 'i' still valid</a:t>
             </a:r>
           </a:p>
         </p:txBody>
@@ -5380,7 +6188,7 @@
       <p:sp>
         <p:nvSpPr>
           <p:cNvPr id="137" name="Functions"/>
-          <p:cNvSpPr/>
+          <p:cNvSpPr txBox="1"/>
           <p:nvPr>
             <p:ph type="title"/>
           </p:nvPr>
@@ -5403,8 +6211,8 @@
       </p:sp>
       <p:sp>
         <p:nvSpPr>
-          <p:cNvPr id="138" name="Context…"/>
-          <p:cNvSpPr/>
+          <p:cNvPr id="138" name="Scope…"/>
+          <p:cNvSpPr txBox="1"/>
           <p:nvPr>
             <p:ph type="body" idx="1"/>
           </p:nvPr>
@@ -5423,31 +6231,31 @@
               <a:buNone/>
             </a:pPr>
             <a:r>
-              <a:t>Context</a:t>
-            </a:r>
-          </a:p>
-          <a:p>
-            <a:pPr/>
-            <a:r>
-              <a:t>.call( differentInstance, arg1, arg2… )</a:t>
-            </a:r>
-          </a:p>
-          <a:p>
-            <a:pPr/>
-            <a:r>
-              <a:t>'this' now refers to differentInstance</a:t>
-            </a:r>
-          </a:p>
-          <a:p>
-            <a:pPr/>
-            <a:r>
-              <a:t>.apply() similar, but takes args in an array</a:t>
-            </a:r>
-          </a:p>
-          <a:p>
-            <a:pPr/>
-            <a:r>
-              <a:t>.bind() returns a new function with context permanently set</a:t>
+              <a:t>Scope</a:t>
+            </a:r>
+          </a:p>
+          <a:p>
+            <a:pPr/>
+            <a:r>
+              <a:t>Nested functions start a new variable "scope"</a:t>
+            </a:r>
+          </a:p>
+          <a:p>
+            <a:pPr/>
+            <a:r>
+              <a:t>Nested functions can access vars above</a:t>
+            </a:r>
+          </a:p>
+          <a:p>
+            <a:pPr/>
+            <a:r>
+              <a:t>( hence global scope available to all others )</a:t>
+            </a:r>
+          </a:p>
+          <a:p>
+            <a:pPr/>
+            <a:r>
+              <a:t>But not vice versa</a:t>
             </a:r>
           </a:p>
         </p:txBody>
@@ -5480,8 +6288,8 @@
       </p:grpSpPr>
       <p:sp>
         <p:nvSpPr>
-          <p:cNvPr id="140" name="Lab: Functions"/>
-          <p:cNvSpPr/>
+          <p:cNvPr id="140" name="Functions"/>
+          <p:cNvSpPr txBox="1"/>
           <p:nvPr>
             <p:ph type="title"/>
           </p:nvPr>
@@ -5497,24 +6305,20 @@
           <a:p>
             <a:pPr/>
             <a:r>
-              <a:t>Lab: Functions</a:t>
-            </a:r>
-          </a:p>
-        </p:txBody>
-      </p:sp>
-      <p:sp>
-        <p:nvSpPr>
-          <p:cNvPr id="141" name="Refactor the content output into methods…"/>
-          <p:cNvSpPr/>
+              <a:t>Functions</a:t>
+            </a:r>
+          </a:p>
+        </p:txBody>
+      </p:sp>
+      <p:sp>
+        <p:nvSpPr>
+          <p:cNvPr id="141" name="Closure…"/>
+          <p:cNvSpPr txBox="1"/>
           <p:nvPr>
             <p:ph type="body" idx="1"/>
           </p:nvPr>
         </p:nvSpPr>
         <p:spPr>
-          <a:xfrm>
-            <a:off x="965200" y="2590800"/>
-            <a:ext cx="11099800" cy="6286500"/>
-          </a:xfrm>
           <a:prstGeom prst="rect">
             <a:avLst/>
           </a:prstGeom>
@@ -5523,21 +6327,42 @@
           <a:bodyPr anchor="t"/>
           <a:lstStyle/>
           <a:p>
-            <a:pPr/>
-            <a:r>
-              <a:t>Refactor the content output into methods</a:t>
-            </a:r>
-          </a:p>
-          <a:p>
-            <a:pPr/>
-            <a:r>
-              <a:t>Functions should take arguments to change output</a:t>
-            </a:r>
-          </a:p>
-          <a:p>
-            <a:pPr/>
-            <a:r>
-              <a:t>Ex: "Elvis Presley's birthdate is 1/8/35."</a:t>
+            <a:pPr marL="0" indent="0">
+              <a:buSzTx/>
+              <a:buNone/>
+            </a:pPr>
+            <a:r>
+              <a:t>Closure</a:t>
+            </a:r>
+          </a:p>
+          <a:p>
+            <a:pPr/>
+            <a:r>
+              <a:t>Nested function references a var above it</a:t>
+            </a:r>
+          </a:p>
+          <a:p>
+            <a:pPr/>
+            <a:r>
+              <a:t>Enclosing function returns nested function</a:t>
+            </a:r>
+          </a:p>
+          <a:p>
+            <a:pPr/>
+            <a:r>
+              <a:t>Outer code now holds reference to inner var</a:t>
+            </a:r>
+          </a:p>
+          <a:p>
+            <a:pPr/>
+            <a:r>
+              <a:t>This reference remains after enclosure exits</a:t>
+            </a:r>
+          </a:p>
+          <a:p>
+            <a:pPr/>
+            <a:r>
+              <a:t>Needs to be manually deferenced, else leak</a:t>
             </a:r>
           </a:p>
         </p:txBody>
@@ -5570,8 +6395,8 @@
       </p:grpSpPr>
       <p:sp>
         <p:nvSpPr>
-          <p:cNvPr id="143" name="Prototypes"/>
-          <p:cNvSpPr/>
+          <p:cNvPr id="143" name="Functions"/>
+          <p:cNvSpPr txBox="1"/>
           <p:nvPr>
             <p:ph type="title"/>
           </p:nvPr>
@@ -5587,15 +6412,15 @@
           <a:p>
             <a:pPr/>
             <a:r>
-              <a:t>Prototypes</a:t>
-            </a:r>
-          </a:p>
-        </p:txBody>
-      </p:sp>
-      <p:sp>
-        <p:nvSpPr>
-          <p:cNvPr id="144" name="What are Prototypes?…"/>
-          <p:cNvSpPr/>
+              <a:t>Functions</a:t>
+            </a:r>
+          </a:p>
+        </p:txBody>
+      </p:sp>
+      <p:sp>
+        <p:nvSpPr>
+          <p:cNvPr id="144" name="Context…"/>
+          <p:cNvSpPr txBox="1"/>
           <p:nvPr>
             <p:ph type="body" idx="1"/>
           </p:nvPr>
@@ -5614,25 +6439,46 @@
               <a:buNone/>
             </a:pPr>
             <a:r>
-              <a:t>What are Prototypes?</a:t>
-            </a:r>
-          </a:p>
-          <a:p>
-            <a:pPr/>
-            <a:r>
-              <a:t>A simplified version of Classes</a:t>
-            </a:r>
-          </a:p>
-          <a:p>
-            <a:pPr/>
-            <a:r>
-              <a:t>How JS handles Object creation under the hood</a:t>
-            </a:r>
-          </a:p>
-          <a:p>
-            <a:pPr/>
-            <a:r>
-              <a:t>Central to memory management</a:t>
+              <a:t>Context</a:t>
+            </a:r>
+          </a:p>
+          <a:p>
+            <a:pPr/>
+            <a:r>
+              <a:t>Remember functions as Constructors?</a:t>
+            </a:r>
+          </a:p>
+          <a:p>
+            <a:pPr/>
+            <a:r>
+              <a:t>'this' keyword refers to the </a:t>
+            </a:r>
+            <a:r>
+              <a:rPr i="1">
+                <a:latin typeface="Helvetica"/>
+                <a:ea typeface="Helvetica"/>
+                <a:cs typeface="Helvetica"/>
+                <a:sym typeface="Helvetica"/>
+              </a:rPr>
+              <a:t>instance</a:t>
+            </a:r>
+            <a:endParaRPr i="1">
+              <a:latin typeface="Helvetica"/>
+              <a:ea typeface="Helvetica"/>
+              <a:cs typeface="Helvetica"/>
+              <a:sym typeface="Helvetica"/>
+            </a:endParaRPr>
+          </a:p>
+          <a:p>
+            <a:pPr/>
+            <a:r>
+              <a:t>Instance mostly commonly provided via method</a:t>
+            </a:r>
+          </a:p>
+          <a:p>
+            <a:pPr/>
+            <a:r>
+              <a:t>But can be overridden via call, apply, bind</a:t>
             </a:r>
           </a:p>
         </p:txBody>
